--- a/docpac_mar18/aidanhamme/FlowchartPowerPoint.pptx
+++ b/docpac_mar18/aidanhamme/FlowchartPowerPoint.pptx
@@ -127,17 +127,25 @@
 <pc:chgInfo xmlns:a="http://schemas.openxmlformats.org/drawingml/2006/main" xmlns:r="http://schemas.openxmlformats.org/officeDocument/2006/relationships" xmlns:ac="http://schemas.microsoft.com/office/drawing/2013/main/command" xmlns:pc="http://schemas.microsoft.com/office/powerpoint/2013/main/command">
   <pc:docChgLst>
     <pc:chgData name="Aidan Hamme" userId="cd8e164e-e9cb-4fc3-897f-de8148cd9839" providerId="ADAL" clId="{C9CCF581-1092-44BD-A266-898C4ED57A52}"/>
-    <pc:docChg chg="undo custSel addSld modSld sldOrd">
-      <pc:chgData name="Aidan Hamme" userId="cd8e164e-e9cb-4fc3-897f-de8148cd9839" providerId="ADAL" clId="{C9CCF581-1092-44BD-A266-898C4ED57A52}" dt="2022-03-15T14:20:32.839" v="4257" actId="20577"/>
+    <pc:docChg chg="undo custSel addSld modSld sldOrd modMainMaster">
+      <pc:chgData name="Aidan Hamme" userId="cd8e164e-e9cb-4fc3-897f-de8148cd9839" providerId="ADAL" clId="{C9CCF581-1092-44BD-A266-898C4ED57A52}" dt="2022-03-16T18:26:53.196" v="4339"/>
       <pc:docMkLst>
         <pc:docMk/>
       </pc:docMkLst>
       <pc:sldChg chg="modSp modTransition modAnim">
-        <pc:chgData name="Aidan Hamme" userId="cd8e164e-e9cb-4fc3-897f-de8148cd9839" providerId="ADAL" clId="{C9CCF581-1092-44BD-A266-898C4ED57A52}" dt="2022-03-15T14:04:36.071" v="4225" actId="403"/>
+        <pc:chgData name="Aidan Hamme" userId="cd8e164e-e9cb-4fc3-897f-de8148cd9839" providerId="ADAL" clId="{C9CCF581-1092-44BD-A266-898C4ED57A52}" dt="2022-03-16T18:25:52.725" v="4337"/>
         <pc:sldMkLst>
           <pc:docMk/>
           <pc:sldMk cId="1288116098" sldId="256"/>
         </pc:sldMkLst>
+        <pc:spChg chg="mod">
+          <ac:chgData name="Aidan Hamme" userId="cd8e164e-e9cb-4fc3-897f-de8148cd9839" providerId="ADAL" clId="{C9CCF581-1092-44BD-A266-898C4ED57A52}" dt="2022-03-16T18:17:32.822" v="4272" actId="1076"/>
+          <ac:spMkLst>
+            <pc:docMk/>
+            <pc:sldMk cId="1288116098" sldId="256"/>
+            <ac:spMk id="2" creationId="{E7A4F76F-4F5A-43AB-AEA9-2D2F08290278}"/>
+          </ac:spMkLst>
+        </pc:spChg>
         <pc:spChg chg="mod">
           <ac:chgData name="Aidan Hamme" userId="cd8e164e-e9cb-4fc3-897f-de8148cd9839" providerId="ADAL" clId="{C9CCF581-1092-44BD-A266-898C4ED57A52}" dt="2022-03-15T14:04:36.071" v="4225" actId="403"/>
           <ac:spMkLst>
@@ -146,9 +154,24 @@
             <ac:spMk id="3" creationId="{750DB149-2F22-438D-8A5E-BF916AC57C01}"/>
           </ac:spMkLst>
         </pc:spChg>
+        <pc:spChg chg="mod">
+          <ac:chgData name="Aidan Hamme" userId="cd8e164e-e9cb-4fc3-897f-de8148cd9839" providerId="ADAL" clId="{C9CCF581-1092-44BD-A266-898C4ED57A52}" dt="2022-03-16T18:17:17.533" v="4270" actId="1076"/>
+          <ac:spMkLst>
+            <pc:docMk/>
+            <pc:sldMk cId="1288116098" sldId="256"/>
+            <ac:spMk id="5" creationId="{CED3800B-97CB-425A-87F3-B1CDA0249B82}"/>
+          </ac:spMkLst>
+        </pc:spChg>
       </pc:sldChg>
-      <pc:sldChg chg="modSp">
-        <pc:chgData name="Aidan Hamme" userId="cd8e164e-e9cb-4fc3-897f-de8148cd9839" providerId="ADAL" clId="{C9CCF581-1092-44BD-A266-898C4ED57A52}" dt="2022-03-15T12:32:17.886" v="511" actId="1076"/>
+      <pc:sldChg chg="modTransition modAnim">
+        <pc:chgData name="Aidan Hamme" userId="cd8e164e-e9cb-4fc3-897f-de8148cd9839" providerId="ADAL" clId="{C9CCF581-1092-44BD-A266-898C4ED57A52}" dt="2022-03-16T18:23:01.883" v="4311"/>
+        <pc:sldMkLst>
+          <pc:docMk/>
+          <pc:sldMk cId="2682714721" sldId="257"/>
+        </pc:sldMkLst>
+      </pc:sldChg>
+      <pc:sldChg chg="modSp modTransition modAnim">
+        <pc:chgData name="Aidan Hamme" userId="cd8e164e-e9cb-4fc3-897f-de8148cd9839" providerId="ADAL" clId="{C9CCF581-1092-44BD-A266-898C4ED57A52}" dt="2022-03-16T18:23:20.602" v="4313"/>
         <pc:sldMkLst>
           <pc:docMk/>
           <pc:sldMk cId="675077583" sldId="258"/>
@@ -162,8 +185,8 @@
           </ac:spMkLst>
         </pc:spChg>
       </pc:sldChg>
-      <pc:sldChg chg="modSp add ord">
-        <pc:chgData name="Aidan Hamme" userId="cd8e164e-e9cb-4fc3-897f-de8148cd9839" providerId="ADAL" clId="{C9CCF581-1092-44BD-A266-898C4ED57A52}" dt="2022-03-15T12:35:33.994" v="1018" actId="20577"/>
+      <pc:sldChg chg="modSp add ord modTransition modAnim">
+        <pc:chgData name="Aidan Hamme" userId="cd8e164e-e9cb-4fc3-897f-de8148cd9839" providerId="ADAL" clId="{C9CCF581-1092-44BD-A266-898C4ED57A52}" dt="2022-03-16T18:23:15.744" v="4312"/>
         <pc:sldMkLst>
           <pc:docMk/>
           <pc:sldMk cId="3755201880" sldId="259"/>
@@ -185,8 +208,8 @@
           </ac:spMkLst>
         </pc:spChg>
       </pc:sldChg>
-      <pc:sldChg chg="modSp add">
-        <pc:chgData name="Aidan Hamme" userId="cd8e164e-e9cb-4fc3-897f-de8148cd9839" providerId="ADAL" clId="{C9CCF581-1092-44BD-A266-898C4ED57A52}" dt="2022-03-15T12:37:12.290" v="1139" actId="20577"/>
+      <pc:sldChg chg="modSp add modTransition modAnim">
+        <pc:chgData name="Aidan Hamme" userId="cd8e164e-e9cb-4fc3-897f-de8148cd9839" providerId="ADAL" clId="{C9CCF581-1092-44BD-A266-898C4ED57A52}" dt="2022-03-16T18:23:26.196" v="4315"/>
         <pc:sldMkLst>
           <pc:docMk/>
           <pc:sldMk cId="3622694105" sldId="260"/>
@@ -208,8 +231,8 @@
           </ac:spMkLst>
         </pc:spChg>
       </pc:sldChg>
-      <pc:sldChg chg="addSp modSp add">
-        <pc:chgData name="Aidan Hamme" userId="cd8e164e-e9cb-4fc3-897f-de8148cd9839" providerId="ADAL" clId="{C9CCF581-1092-44BD-A266-898C4ED57A52}" dt="2022-03-15T12:52:22.794" v="1950" actId="11529"/>
+      <pc:sldChg chg="addSp modSp add modTransition modAnim">
+        <pc:chgData name="Aidan Hamme" userId="cd8e164e-e9cb-4fc3-897f-de8148cd9839" providerId="ADAL" clId="{C9CCF581-1092-44BD-A266-898C4ED57A52}" dt="2022-03-16T18:24:11.743" v="4319"/>
         <pc:sldMkLst>
           <pc:docMk/>
           <pc:sldMk cId="3727043280" sldId="261"/>
@@ -295,8 +318,8 @@
           </ac:cxnSpMkLst>
         </pc:cxnChg>
       </pc:sldChg>
-      <pc:sldChg chg="addSp modSp add ord">
-        <pc:chgData name="Aidan Hamme" userId="cd8e164e-e9cb-4fc3-897f-de8148cd9839" providerId="ADAL" clId="{C9CCF581-1092-44BD-A266-898C4ED57A52}" dt="2022-03-15T14:08:40.745" v="4231" actId="1076"/>
+      <pc:sldChg chg="addSp modSp add ord modTransition modAnim">
+        <pc:chgData name="Aidan Hamme" userId="cd8e164e-e9cb-4fc3-897f-de8148cd9839" providerId="ADAL" clId="{C9CCF581-1092-44BD-A266-898C4ED57A52}" dt="2022-03-16T18:23:36.413" v="4317"/>
         <pc:sldMkLst>
           <pc:docMk/>
           <pc:sldMk cId="2700846491" sldId="262"/>
@@ -366,8 +389,8 @@
           </ac:cxnSpMkLst>
         </pc:cxnChg>
       </pc:sldChg>
-      <pc:sldChg chg="addSp modSp add">
-        <pc:chgData name="Aidan Hamme" userId="cd8e164e-e9cb-4fc3-897f-de8148cd9839" providerId="ADAL" clId="{C9CCF581-1092-44BD-A266-898C4ED57A52}" dt="2022-03-15T13:05:44.694" v="2900" actId="1076"/>
+      <pc:sldChg chg="addSp modSp add modTransition modAnim">
+        <pc:chgData name="Aidan Hamme" userId="cd8e164e-e9cb-4fc3-897f-de8148cd9839" providerId="ADAL" clId="{C9CCF581-1092-44BD-A266-898C4ED57A52}" dt="2022-03-16T18:24:20.998" v="4321"/>
         <pc:sldMkLst>
           <pc:docMk/>
           <pc:sldMk cId="2173360285" sldId="263"/>
@@ -469,8 +492,8 @@
           </ac:cxnSpMkLst>
         </pc:cxnChg>
       </pc:sldChg>
-      <pc:sldChg chg="addSp delSp modSp add">
-        <pc:chgData name="Aidan Hamme" userId="cd8e164e-e9cb-4fc3-897f-de8148cd9839" providerId="ADAL" clId="{C9CCF581-1092-44BD-A266-898C4ED57A52}" dt="2022-03-15T13:16:37.454" v="3498" actId="20577"/>
+      <pc:sldChg chg="addSp delSp modSp add modTransition modAnim">
+        <pc:chgData name="Aidan Hamme" userId="cd8e164e-e9cb-4fc3-897f-de8148cd9839" providerId="ADAL" clId="{C9CCF581-1092-44BD-A266-898C4ED57A52}" dt="2022-03-16T18:26:53.196" v="4339"/>
         <pc:sldMkLst>
           <pc:docMk/>
           <pc:sldMk cId="3976726178" sldId="264"/>
@@ -572,7 +595,7 @@
           </ac:spMkLst>
         </pc:spChg>
         <pc:spChg chg="add mod">
-          <ac:chgData name="Aidan Hamme" userId="cd8e164e-e9cb-4fc3-897f-de8148cd9839" providerId="ADAL" clId="{C9CCF581-1092-44BD-A266-898C4ED57A52}" dt="2022-03-15T13:15:27.007" v="3457" actId="1076"/>
+          <ac:chgData name="Aidan Hamme" userId="cd8e164e-e9cb-4fc3-897f-de8148cd9839" providerId="ADAL" clId="{C9CCF581-1092-44BD-A266-898C4ED57A52}" dt="2022-03-16T18:18:43.114" v="4276" actId="1076"/>
           <ac:spMkLst>
             <pc:docMk/>
             <pc:sldMk cId="3976726178" sldId="264"/>
@@ -580,7 +603,7 @@
           </ac:spMkLst>
         </pc:spChg>
         <pc:spChg chg="add mod">
-          <ac:chgData name="Aidan Hamme" userId="cd8e164e-e9cb-4fc3-897f-de8148cd9839" providerId="ADAL" clId="{C9CCF581-1092-44BD-A266-898C4ED57A52}" dt="2022-03-15T13:16:06.929" v="3472" actId="1076"/>
+          <ac:chgData name="Aidan Hamme" userId="cd8e164e-e9cb-4fc3-897f-de8148cd9839" providerId="ADAL" clId="{C9CCF581-1092-44BD-A266-898C4ED57A52}" dt="2022-03-16T18:19:01.489" v="4278" actId="1076"/>
           <ac:spMkLst>
             <pc:docMk/>
             <pc:sldMk cId="3976726178" sldId="264"/>
@@ -596,7 +619,7 @@
           </ac:spMkLst>
         </pc:spChg>
         <pc:spChg chg="add mod">
-          <ac:chgData name="Aidan Hamme" userId="cd8e164e-e9cb-4fc3-897f-de8148cd9839" providerId="ADAL" clId="{C9CCF581-1092-44BD-A266-898C4ED57A52}" dt="2022-03-15T13:16:29.170" v="3490" actId="14100"/>
+          <ac:chgData name="Aidan Hamme" userId="cd8e164e-e9cb-4fc3-897f-de8148cd9839" providerId="ADAL" clId="{C9CCF581-1092-44BD-A266-898C4ED57A52}" dt="2022-03-16T18:19:10.162" v="4280" actId="1076"/>
           <ac:spMkLst>
             <pc:docMk/>
             <pc:sldMk cId="3976726178" sldId="264"/>
@@ -636,7 +659,7 @@
           </ac:cxnSpMkLst>
         </pc:cxnChg>
         <pc:cxnChg chg="add mod">
-          <ac:chgData name="Aidan Hamme" userId="cd8e164e-e9cb-4fc3-897f-de8148cd9839" providerId="ADAL" clId="{C9CCF581-1092-44BD-A266-898C4ED57A52}" dt="2022-03-15T13:15:27.007" v="3457" actId="1076"/>
+          <ac:chgData name="Aidan Hamme" userId="cd8e164e-e9cb-4fc3-897f-de8148cd9839" providerId="ADAL" clId="{C9CCF581-1092-44BD-A266-898C4ED57A52}" dt="2022-03-16T18:18:43.114" v="4276" actId="1076"/>
           <ac:cxnSpMkLst>
             <pc:docMk/>
             <pc:sldMk cId="3976726178" sldId="264"/>
@@ -652,7 +675,7 @@
           </ac:cxnSpMkLst>
         </pc:cxnChg>
         <pc:cxnChg chg="add mod">
-          <ac:chgData name="Aidan Hamme" userId="cd8e164e-e9cb-4fc3-897f-de8148cd9839" providerId="ADAL" clId="{C9CCF581-1092-44BD-A266-898C4ED57A52}" dt="2022-03-15T13:15:36.524" v="3459" actId="11529"/>
+          <ac:chgData name="Aidan Hamme" userId="cd8e164e-e9cb-4fc3-897f-de8148cd9839" providerId="ADAL" clId="{C9CCF581-1092-44BD-A266-898C4ED57A52}" dt="2022-03-16T18:18:43.114" v="4276" actId="1076"/>
           <ac:cxnSpMkLst>
             <pc:docMk/>
             <pc:sldMk cId="3976726178" sldId="264"/>
@@ -660,8 +683,8 @@
           </ac:cxnSpMkLst>
         </pc:cxnChg>
       </pc:sldChg>
-      <pc:sldChg chg="addSp modSp add">
-        <pc:chgData name="Aidan Hamme" userId="cd8e164e-e9cb-4fc3-897f-de8148cd9839" providerId="ADAL" clId="{C9CCF581-1092-44BD-A266-898C4ED57A52}" dt="2022-03-15T13:27:26.479" v="3898" actId="1076"/>
+      <pc:sldChg chg="addSp modSp add modTransition modAnim">
+        <pc:chgData name="Aidan Hamme" userId="cd8e164e-e9cb-4fc3-897f-de8148cd9839" providerId="ADAL" clId="{C9CCF581-1092-44BD-A266-898C4ED57A52}" dt="2022-03-16T18:25:03.694" v="4330"/>
         <pc:sldMkLst>
           <pc:docMk/>
           <pc:sldMk cId="3905351767" sldId="265"/>
@@ -699,8 +722,8 @@
           </ac:spMkLst>
         </pc:spChg>
       </pc:sldChg>
-      <pc:sldChg chg="addSp modSp add">
-        <pc:chgData name="Aidan Hamme" userId="cd8e164e-e9cb-4fc3-897f-de8148cd9839" providerId="ADAL" clId="{C9CCF581-1092-44BD-A266-898C4ED57A52}" dt="2022-03-15T12:56:20.047" v="2296" actId="20577"/>
+      <pc:sldChg chg="addSp modSp add modTransition modAnim">
+        <pc:chgData name="Aidan Hamme" userId="cd8e164e-e9cb-4fc3-897f-de8148cd9839" providerId="ADAL" clId="{C9CCF581-1092-44BD-A266-898C4ED57A52}" dt="2022-03-16T18:23:23.050" v="4314"/>
         <pc:sldMkLst>
           <pc:docMk/>
           <pc:sldMk cId="1788107297" sldId="266"/>
@@ -722,7 +745,7 @@
           </ac:spMkLst>
         </pc:spChg>
         <pc:spChg chg="add mod">
-          <ac:chgData name="Aidan Hamme" userId="cd8e164e-e9cb-4fc3-897f-de8148cd9839" providerId="ADAL" clId="{C9CCF581-1092-44BD-A266-898C4ED57A52}" dt="2022-03-15T12:54:24.160" v="2152" actId="403"/>
+          <ac:chgData name="Aidan Hamme" userId="cd8e164e-e9cb-4fc3-897f-de8148cd9839" providerId="ADAL" clId="{C9CCF581-1092-44BD-A266-898C4ED57A52}" dt="2022-03-16T18:15:58.716" v="4268" actId="20577"/>
           <ac:spMkLst>
             <pc:docMk/>
             <pc:sldMk cId="1788107297" sldId="266"/>
@@ -730,8 +753,8 @@
           </ac:spMkLst>
         </pc:spChg>
       </pc:sldChg>
-      <pc:sldChg chg="addSp delSp modSp add">
-        <pc:chgData name="Aidan Hamme" userId="cd8e164e-e9cb-4fc3-897f-de8148cd9839" providerId="ADAL" clId="{C9CCF581-1092-44BD-A266-898C4ED57A52}" dt="2022-03-15T14:20:32.839" v="4257" actId="20577"/>
+      <pc:sldChg chg="addSp delSp modSp add modTransition modAnim">
+        <pc:chgData name="Aidan Hamme" userId="cd8e164e-e9cb-4fc3-897f-de8148cd9839" providerId="ADAL" clId="{C9CCF581-1092-44BD-A266-898C4ED57A52}" dt="2022-03-16T18:25:36.839" v="4336"/>
         <pc:sldMkLst>
           <pc:docMk/>
           <pc:sldMk cId="3756374787" sldId="267"/>
@@ -785,6 +808,101 @@
           </ac:picMkLst>
         </pc:picChg>
       </pc:sldChg>
+      <pc:sldMasterChg chg="modTransition modSldLayout">
+        <pc:chgData name="Aidan Hamme" userId="cd8e164e-e9cb-4fc3-897f-de8148cd9839" providerId="ADAL" clId="{C9CCF581-1092-44BD-A266-898C4ED57A52}" dt="2022-03-16T18:21:38.536" v="4306"/>
+        <pc:sldMasterMkLst>
+          <pc:docMk/>
+          <pc:sldMasterMk cId="3812845292" sldId="2147483648"/>
+        </pc:sldMasterMkLst>
+        <pc:sldLayoutChg chg="modTransition">
+          <pc:chgData name="Aidan Hamme" userId="cd8e164e-e9cb-4fc3-897f-de8148cd9839" providerId="ADAL" clId="{C9CCF581-1092-44BD-A266-898C4ED57A52}" dt="2022-03-16T18:21:38.536" v="4306"/>
+          <pc:sldLayoutMkLst>
+            <pc:docMk/>
+            <pc:sldMasterMk cId="3812845292" sldId="2147483648"/>
+            <pc:sldLayoutMk cId="1312800242" sldId="2147483649"/>
+          </pc:sldLayoutMkLst>
+        </pc:sldLayoutChg>
+        <pc:sldLayoutChg chg="modTransition">
+          <pc:chgData name="Aidan Hamme" userId="cd8e164e-e9cb-4fc3-897f-de8148cd9839" providerId="ADAL" clId="{C9CCF581-1092-44BD-A266-898C4ED57A52}" dt="2022-03-16T18:21:38.536" v="4306"/>
+          <pc:sldLayoutMkLst>
+            <pc:docMk/>
+            <pc:sldMasterMk cId="3812845292" sldId="2147483648"/>
+            <pc:sldLayoutMk cId="1091817635" sldId="2147483650"/>
+          </pc:sldLayoutMkLst>
+        </pc:sldLayoutChg>
+        <pc:sldLayoutChg chg="modTransition">
+          <pc:chgData name="Aidan Hamme" userId="cd8e164e-e9cb-4fc3-897f-de8148cd9839" providerId="ADAL" clId="{C9CCF581-1092-44BD-A266-898C4ED57A52}" dt="2022-03-16T18:21:38.536" v="4306"/>
+          <pc:sldLayoutMkLst>
+            <pc:docMk/>
+            <pc:sldMasterMk cId="3812845292" sldId="2147483648"/>
+            <pc:sldLayoutMk cId="3531931810" sldId="2147483651"/>
+          </pc:sldLayoutMkLst>
+        </pc:sldLayoutChg>
+        <pc:sldLayoutChg chg="modTransition">
+          <pc:chgData name="Aidan Hamme" userId="cd8e164e-e9cb-4fc3-897f-de8148cd9839" providerId="ADAL" clId="{C9CCF581-1092-44BD-A266-898C4ED57A52}" dt="2022-03-16T18:21:38.536" v="4306"/>
+          <pc:sldLayoutMkLst>
+            <pc:docMk/>
+            <pc:sldMasterMk cId="3812845292" sldId="2147483648"/>
+            <pc:sldLayoutMk cId="1711892773" sldId="2147483652"/>
+          </pc:sldLayoutMkLst>
+        </pc:sldLayoutChg>
+        <pc:sldLayoutChg chg="modTransition">
+          <pc:chgData name="Aidan Hamme" userId="cd8e164e-e9cb-4fc3-897f-de8148cd9839" providerId="ADAL" clId="{C9CCF581-1092-44BD-A266-898C4ED57A52}" dt="2022-03-16T18:21:38.536" v="4306"/>
+          <pc:sldLayoutMkLst>
+            <pc:docMk/>
+            <pc:sldMasterMk cId="3812845292" sldId="2147483648"/>
+            <pc:sldLayoutMk cId="1192740103" sldId="2147483653"/>
+          </pc:sldLayoutMkLst>
+        </pc:sldLayoutChg>
+        <pc:sldLayoutChg chg="modTransition">
+          <pc:chgData name="Aidan Hamme" userId="cd8e164e-e9cb-4fc3-897f-de8148cd9839" providerId="ADAL" clId="{C9CCF581-1092-44BD-A266-898C4ED57A52}" dt="2022-03-16T18:21:38.536" v="4306"/>
+          <pc:sldLayoutMkLst>
+            <pc:docMk/>
+            <pc:sldMasterMk cId="3812845292" sldId="2147483648"/>
+            <pc:sldLayoutMk cId="1793012686" sldId="2147483654"/>
+          </pc:sldLayoutMkLst>
+        </pc:sldLayoutChg>
+        <pc:sldLayoutChg chg="modTransition">
+          <pc:chgData name="Aidan Hamme" userId="cd8e164e-e9cb-4fc3-897f-de8148cd9839" providerId="ADAL" clId="{C9CCF581-1092-44BD-A266-898C4ED57A52}" dt="2022-03-16T18:21:38.536" v="4306"/>
+          <pc:sldLayoutMkLst>
+            <pc:docMk/>
+            <pc:sldMasterMk cId="3812845292" sldId="2147483648"/>
+            <pc:sldLayoutMk cId="3318429560" sldId="2147483655"/>
+          </pc:sldLayoutMkLst>
+        </pc:sldLayoutChg>
+        <pc:sldLayoutChg chg="modTransition">
+          <pc:chgData name="Aidan Hamme" userId="cd8e164e-e9cb-4fc3-897f-de8148cd9839" providerId="ADAL" clId="{C9CCF581-1092-44BD-A266-898C4ED57A52}" dt="2022-03-16T18:21:38.536" v="4306"/>
+          <pc:sldLayoutMkLst>
+            <pc:docMk/>
+            <pc:sldMasterMk cId="3812845292" sldId="2147483648"/>
+            <pc:sldLayoutMk cId="1681950361" sldId="2147483656"/>
+          </pc:sldLayoutMkLst>
+        </pc:sldLayoutChg>
+        <pc:sldLayoutChg chg="modTransition">
+          <pc:chgData name="Aidan Hamme" userId="cd8e164e-e9cb-4fc3-897f-de8148cd9839" providerId="ADAL" clId="{C9CCF581-1092-44BD-A266-898C4ED57A52}" dt="2022-03-16T18:21:38.536" v="4306"/>
+          <pc:sldLayoutMkLst>
+            <pc:docMk/>
+            <pc:sldMasterMk cId="3812845292" sldId="2147483648"/>
+            <pc:sldLayoutMk cId="4221147165" sldId="2147483657"/>
+          </pc:sldLayoutMkLst>
+        </pc:sldLayoutChg>
+        <pc:sldLayoutChg chg="modTransition">
+          <pc:chgData name="Aidan Hamme" userId="cd8e164e-e9cb-4fc3-897f-de8148cd9839" providerId="ADAL" clId="{C9CCF581-1092-44BD-A266-898C4ED57A52}" dt="2022-03-16T18:21:38.536" v="4306"/>
+          <pc:sldLayoutMkLst>
+            <pc:docMk/>
+            <pc:sldMasterMk cId="3812845292" sldId="2147483648"/>
+            <pc:sldLayoutMk cId="3964793447" sldId="2147483658"/>
+          </pc:sldLayoutMkLst>
+        </pc:sldLayoutChg>
+        <pc:sldLayoutChg chg="modTransition">
+          <pc:chgData name="Aidan Hamme" userId="cd8e164e-e9cb-4fc3-897f-de8148cd9839" providerId="ADAL" clId="{C9CCF581-1092-44BD-A266-898C4ED57A52}" dt="2022-03-16T18:21:38.536" v="4306"/>
+          <pc:sldLayoutMkLst>
+            <pc:docMk/>
+            <pc:sldMasterMk cId="3812845292" sldId="2147483648"/>
+            <pc:sldLayoutMk cId="1941892462" sldId="2147483659"/>
+          </pc:sldLayoutMkLst>
+        </pc:sldLayoutChg>
+      </pc:sldMasterChg>
     </pc:docChg>
   </pc:docChgLst>
 </pc:chgInfo>
@@ -937,7 +1055,7 @@
           <a:p>
             <a:fld id="{CE1F112E-1539-4669-82FF-4295A0EDE019}" type="datetimeFigureOut">
               <a:rPr lang="en-US" smtClean="0"/>
-              <a:t>3/15/2022</a:t>
+              <a:t>3/16/2022</a:t>
             </a:fld>
             <a:endParaRPr lang="en-US"/>
           </a:p>
@@ -1007,6 +1125,18 @@
   <p:clrMapOvr>
     <a:masterClrMapping/>
   </p:clrMapOvr>
+  <mc:AlternateContent xmlns:mc="http://schemas.openxmlformats.org/markup-compatibility/2006">
+    <mc:Choice xmlns:p14="http://schemas.microsoft.com/office/powerpoint/2010/main" Requires="p14">
+      <p:transition spd="slow" p14:dur="1300">
+        <p14:pan dir="u"/>
+      </p:transition>
+    </mc:Choice>
+    <mc:Fallback>
+      <p:transition spd="slow">
+        <p:fade/>
+      </p:transition>
+    </mc:Fallback>
+  </mc:AlternateContent>
 </p:sldLayout>
 </file>
 
@@ -1135,7 +1265,7 @@
           <a:p>
             <a:fld id="{CE1F112E-1539-4669-82FF-4295A0EDE019}" type="datetimeFigureOut">
               <a:rPr lang="en-US" smtClean="0"/>
-              <a:t>3/15/2022</a:t>
+              <a:t>3/16/2022</a:t>
             </a:fld>
             <a:endParaRPr lang="en-US"/>
           </a:p>
@@ -1205,6 +1335,18 @@
   <p:clrMapOvr>
     <a:masterClrMapping/>
   </p:clrMapOvr>
+  <mc:AlternateContent xmlns:mc="http://schemas.openxmlformats.org/markup-compatibility/2006">
+    <mc:Choice xmlns:p14="http://schemas.microsoft.com/office/powerpoint/2010/main" Requires="p14">
+      <p:transition spd="slow" p14:dur="1300">
+        <p14:pan dir="u"/>
+      </p:transition>
+    </mc:Choice>
+    <mc:Fallback>
+      <p:transition spd="slow">
+        <p:fade/>
+      </p:transition>
+    </mc:Fallback>
+  </mc:AlternateContent>
 </p:sldLayout>
 </file>
 
@@ -1343,7 +1485,7 @@
           <a:p>
             <a:fld id="{CE1F112E-1539-4669-82FF-4295A0EDE019}" type="datetimeFigureOut">
               <a:rPr lang="en-US" smtClean="0"/>
-              <a:t>3/15/2022</a:t>
+              <a:t>3/16/2022</a:t>
             </a:fld>
             <a:endParaRPr lang="en-US"/>
           </a:p>
@@ -1413,6 +1555,18 @@
   <p:clrMapOvr>
     <a:masterClrMapping/>
   </p:clrMapOvr>
+  <mc:AlternateContent xmlns:mc="http://schemas.openxmlformats.org/markup-compatibility/2006">
+    <mc:Choice xmlns:p14="http://schemas.microsoft.com/office/powerpoint/2010/main" Requires="p14">
+      <p:transition spd="slow" p14:dur="1300">
+        <p14:pan dir="u"/>
+      </p:transition>
+    </mc:Choice>
+    <mc:Fallback>
+      <p:transition spd="slow">
+        <p:fade/>
+      </p:transition>
+    </mc:Fallback>
+  </mc:AlternateContent>
 </p:sldLayout>
 </file>
 
@@ -1541,7 +1695,7 @@
           <a:p>
             <a:fld id="{CE1F112E-1539-4669-82FF-4295A0EDE019}" type="datetimeFigureOut">
               <a:rPr lang="en-US" smtClean="0"/>
-              <a:t>3/15/2022</a:t>
+              <a:t>3/16/2022</a:t>
             </a:fld>
             <a:endParaRPr lang="en-US"/>
           </a:p>
@@ -1611,6 +1765,18 @@
   <p:clrMapOvr>
     <a:masterClrMapping/>
   </p:clrMapOvr>
+  <mc:AlternateContent xmlns:mc="http://schemas.openxmlformats.org/markup-compatibility/2006">
+    <mc:Choice xmlns:p14="http://schemas.microsoft.com/office/powerpoint/2010/main" Requires="p14">
+      <p:transition spd="slow" p14:dur="1300">
+        <p14:pan dir="u"/>
+      </p:transition>
+    </mc:Choice>
+    <mc:Fallback>
+      <p:transition spd="slow">
+        <p:fade/>
+      </p:transition>
+    </mc:Fallback>
+  </mc:AlternateContent>
 </p:sldLayout>
 </file>
 
@@ -1816,7 +1982,7 @@
           <a:p>
             <a:fld id="{CE1F112E-1539-4669-82FF-4295A0EDE019}" type="datetimeFigureOut">
               <a:rPr lang="en-US" smtClean="0"/>
-              <a:t>3/15/2022</a:t>
+              <a:t>3/16/2022</a:t>
             </a:fld>
             <a:endParaRPr lang="en-US"/>
           </a:p>
@@ -1886,6 +2052,18 @@
   <p:clrMapOvr>
     <a:masterClrMapping/>
   </p:clrMapOvr>
+  <mc:AlternateContent xmlns:mc="http://schemas.openxmlformats.org/markup-compatibility/2006">
+    <mc:Choice xmlns:p14="http://schemas.microsoft.com/office/powerpoint/2010/main" Requires="p14">
+      <p:transition spd="slow" p14:dur="1300">
+        <p14:pan dir="u"/>
+      </p:transition>
+    </mc:Choice>
+    <mc:Fallback>
+      <p:transition spd="slow">
+        <p:fade/>
+      </p:transition>
+    </mc:Fallback>
+  </mc:AlternateContent>
 </p:sldLayout>
 </file>
 
@@ -2081,7 +2259,7 @@
           <a:p>
             <a:fld id="{CE1F112E-1539-4669-82FF-4295A0EDE019}" type="datetimeFigureOut">
               <a:rPr lang="en-US" smtClean="0"/>
-              <a:t>3/15/2022</a:t>
+              <a:t>3/16/2022</a:t>
             </a:fld>
             <a:endParaRPr lang="en-US"/>
           </a:p>
@@ -2151,6 +2329,18 @@
   <p:clrMapOvr>
     <a:masterClrMapping/>
   </p:clrMapOvr>
+  <mc:AlternateContent xmlns:mc="http://schemas.openxmlformats.org/markup-compatibility/2006">
+    <mc:Choice xmlns:p14="http://schemas.microsoft.com/office/powerpoint/2010/main" Requires="p14">
+      <p:transition spd="slow" p14:dur="1300">
+        <p14:pan dir="u"/>
+      </p:transition>
+    </mc:Choice>
+    <mc:Fallback>
+      <p:transition spd="slow">
+        <p:fade/>
+      </p:transition>
+    </mc:Fallback>
+  </mc:AlternateContent>
 </p:sldLayout>
 </file>
 
@@ -2493,7 +2683,7 @@
           <a:p>
             <a:fld id="{CE1F112E-1539-4669-82FF-4295A0EDE019}" type="datetimeFigureOut">
               <a:rPr lang="en-US" smtClean="0"/>
-              <a:t>3/15/2022</a:t>
+              <a:t>3/16/2022</a:t>
             </a:fld>
             <a:endParaRPr lang="en-US"/>
           </a:p>
@@ -2563,6 +2753,18 @@
   <p:clrMapOvr>
     <a:masterClrMapping/>
   </p:clrMapOvr>
+  <mc:AlternateContent xmlns:mc="http://schemas.openxmlformats.org/markup-compatibility/2006">
+    <mc:Choice xmlns:p14="http://schemas.microsoft.com/office/powerpoint/2010/main" Requires="p14">
+      <p:transition spd="slow" p14:dur="1300">
+        <p14:pan dir="u"/>
+      </p:transition>
+    </mc:Choice>
+    <mc:Fallback>
+      <p:transition spd="slow">
+        <p:fade/>
+      </p:transition>
+    </mc:Fallback>
+  </mc:AlternateContent>
 </p:sldLayout>
 </file>
 
@@ -2634,7 +2836,7 @@
           <a:p>
             <a:fld id="{CE1F112E-1539-4669-82FF-4295A0EDE019}" type="datetimeFigureOut">
               <a:rPr lang="en-US" smtClean="0"/>
-              <a:t>3/15/2022</a:t>
+              <a:t>3/16/2022</a:t>
             </a:fld>
             <a:endParaRPr lang="en-US"/>
           </a:p>
@@ -2704,6 +2906,18 @@
   <p:clrMapOvr>
     <a:masterClrMapping/>
   </p:clrMapOvr>
+  <mc:AlternateContent xmlns:mc="http://schemas.openxmlformats.org/markup-compatibility/2006">
+    <mc:Choice xmlns:p14="http://schemas.microsoft.com/office/powerpoint/2010/main" Requires="p14">
+      <p:transition spd="slow" p14:dur="1300">
+        <p14:pan dir="u"/>
+      </p:transition>
+    </mc:Choice>
+    <mc:Fallback>
+      <p:transition spd="slow">
+        <p:fade/>
+      </p:transition>
+    </mc:Fallback>
+  </mc:AlternateContent>
 </p:sldLayout>
 </file>
 
@@ -2747,7 +2961,7 @@
           <a:p>
             <a:fld id="{CE1F112E-1539-4669-82FF-4295A0EDE019}" type="datetimeFigureOut">
               <a:rPr lang="en-US" smtClean="0"/>
-              <a:t>3/15/2022</a:t>
+              <a:t>3/16/2022</a:t>
             </a:fld>
             <a:endParaRPr lang="en-US"/>
           </a:p>
@@ -2817,6 +3031,18 @@
   <p:clrMapOvr>
     <a:masterClrMapping/>
   </p:clrMapOvr>
+  <mc:AlternateContent xmlns:mc="http://schemas.openxmlformats.org/markup-compatibility/2006">
+    <mc:Choice xmlns:p14="http://schemas.microsoft.com/office/powerpoint/2010/main" Requires="p14">
+      <p:transition spd="slow" p14:dur="1300">
+        <p14:pan dir="u"/>
+      </p:transition>
+    </mc:Choice>
+    <mc:Fallback>
+      <p:transition spd="slow">
+        <p:fade/>
+      </p:transition>
+    </mc:Fallback>
+  </mc:AlternateContent>
 </p:sldLayout>
 </file>
 
@@ -3058,7 +3284,7 @@
           <a:p>
             <a:fld id="{CE1F112E-1539-4669-82FF-4295A0EDE019}" type="datetimeFigureOut">
               <a:rPr lang="en-US" smtClean="0"/>
-              <a:t>3/15/2022</a:t>
+              <a:t>3/16/2022</a:t>
             </a:fld>
             <a:endParaRPr lang="en-US"/>
           </a:p>
@@ -3128,6 +3354,18 @@
   <p:clrMapOvr>
     <a:masterClrMapping/>
   </p:clrMapOvr>
+  <mc:AlternateContent xmlns:mc="http://schemas.openxmlformats.org/markup-compatibility/2006">
+    <mc:Choice xmlns:p14="http://schemas.microsoft.com/office/powerpoint/2010/main" Requires="p14">
+      <p:transition spd="slow" p14:dur="1300">
+        <p14:pan dir="u"/>
+      </p:transition>
+    </mc:Choice>
+    <mc:Fallback>
+      <p:transition spd="slow">
+        <p:fade/>
+      </p:transition>
+    </mc:Fallback>
+  </mc:AlternateContent>
 </p:sldLayout>
 </file>
 
@@ -3346,7 +3584,7 @@
           <a:p>
             <a:fld id="{CE1F112E-1539-4669-82FF-4295A0EDE019}" type="datetimeFigureOut">
               <a:rPr lang="en-US" smtClean="0"/>
-              <a:t>3/15/2022</a:t>
+              <a:t>3/16/2022</a:t>
             </a:fld>
             <a:endParaRPr lang="en-US"/>
           </a:p>
@@ -3416,6 +3654,18 @@
   <p:clrMapOvr>
     <a:masterClrMapping/>
   </p:clrMapOvr>
+  <mc:AlternateContent xmlns:mc="http://schemas.openxmlformats.org/markup-compatibility/2006">
+    <mc:Choice xmlns:p14="http://schemas.microsoft.com/office/powerpoint/2010/main" Requires="p14">
+      <p:transition spd="slow" p14:dur="1300">
+        <p14:pan dir="u"/>
+      </p:transition>
+    </mc:Choice>
+    <mc:Fallback>
+      <p:transition spd="slow">
+        <p:fade/>
+      </p:transition>
+    </mc:Fallback>
+  </mc:AlternateContent>
 </p:sldLayout>
 </file>
 
@@ -3587,7 +3837,7 @@
           <a:p>
             <a:fld id="{CE1F112E-1539-4669-82FF-4295A0EDE019}" type="datetimeFigureOut">
               <a:rPr lang="en-US" smtClean="0"/>
-              <a:t>3/15/2022</a:t>
+              <a:t>3/16/2022</a:t>
             </a:fld>
             <a:endParaRPr lang="en-US"/>
           </a:p>
@@ -3704,6 +3954,18 @@
     <p:sldLayoutId id="2147483658" r:id="rId10"/>
     <p:sldLayoutId id="2147483659" r:id="rId11"/>
   </p:sldLayoutIdLst>
+  <mc:AlternateContent xmlns:mc="http://schemas.openxmlformats.org/markup-compatibility/2006">
+    <mc:Choice xmlns:p14="http://schemas.microsoft.com/office/powerpoint/2010/main" Requires="p14">
+      <p:transition spd="slow" p14:dur="1300">
+        <p14:pan dir="u"/>
+      </p:transition>
+    </mc:Choice>
+    <mc:Fallback>
+      <p:transition spd="slow">
+        <p:fade/>
+      </p:transition>
+    </mc:Fallback>
+  </mc:AlternateContent>
   <p:txStyles>
     <p:titleStyle>
       <a:lvl1pPr algn="l" defTabSz="914400" rtl="0" eaLnBrk="1" latinLnBrk="0" hangingPunct="1">
@@ -4022,7 +4284,7 @@
         </p:nvSpPr>
         <p:spPr>
           <a:xfrm>
-            <a:off x="1523999" y="3065776"/>
+            <a:off x="1523999" y="3015442"/>
             <a:ext cx="9144000" cy="2387600"/>
           </a:xfrm>
         </p:spPr>
@@ -4137,7 +4399,7 @@
         </p:nvSpPr>
         <p:spPr>
           <a:xfrm>
-            <a:off x="5102602" y="1404624"/>
+            <a:off x="5102602" y="1216134"/>
             <a:ext cx="1986794" cy="1942585"/>
           </a:xfrm>
           <a:prstGeom prst="flowChartDecision">
@@ -4231,6 +4493,14 @@
   <p:clrMapOvr>
     <a:masterClrMapping/>
   </p:clrMapOvr>
+  <mc:AlternateContent xmlns:mc="http://schemas.openxmlformats.org/markup-compatibility/2006">
+    <mc:Choice xmlns:p14="http://schemas.microsoft.com/office/powerpoint/2010/main" Requires="p14">
+      <p:transition p14:dur="0"/>
+    </mc:Choice>
+    <mc:Fallback>
+      <p:transition/>
+    </mc:Fallback>
+  </mc:AlternateContent>
 </p:sld>
 </file>
 
@@ -4633,7 +4903,7 @@
         </p:nvSpPr>
         <p:spPr>
           <a:xfrm>
-            <a:off x="6957969" y="5721096"/>
+            <a:off x="7102191" y="5699149"/>
             <a:ext cx="1644242" cy="1040234"/>
           </a:xfrm>
           <a:prstGeom prst="flowChartInputOutput">
@@ -4811,8 +5081,8 @@
         </p:nvCxnSpPr>
         <p:spPr>
           <a:xfrm rot="16200000" flipH="1">
-            <a:off x="6282324" y="5401144"/>
-            <a:ext cx="50086" cy="1630051"/>
+            <a:off x="6365409" y="5318059"/>
+            <a:ext cx="28139" cy="1774273"/>
           </a:xfrm>
           <a:prstGeom prst="bentConnector2">
             <a:avLst/>
@@ -4895,8 +5165,8 @@
         </p:nvCxnSpPr>
         <p:spPr>
           <a:xfrm flipV="1">
-            <a:off x="8437787" y="5270877"/>
-            <a:ext cx="1135450" cy="970336"/>
+            <a:off x="8582009" y="5270877"/>
+            <a:ext cx="991228" cy="948389"/>
           </a:xfrm>
           <a:prstGeom prst="bentConnector3">
             <a:avLst/>
@@ -4934,7 +5204,7 @@
         </p:nvSpPr>
         <p:spPr>
           <a:xfrm>
-            <a:off x="5945183" y="4303445"/>
+            <a:off x="6000244" y="4303446"/>
             <a:ext cx="695045" cy="369332"/>
           </a:xfrm>
           <a:prstGeom prst="rect">
@@ -4969,7 +5239,7 @@
         </p:nvSpPr>
         <p:spPr>
           <a:xfrm>
-            <a:off x="6033424" y="6046694"/>
+            <a:off x="6006985" y="6034599"/>
             <a:ext cx="760121" cy="369332"/>
           </a:xfrm>
           <a:prstGeom prst="rect">
@@ -5000,6 +5270,651 @@
   <p:clrMapOvr>
     <a:masterClrMapping/>
   </p:clrMapOvr>
+  <mc:AlternateContent xmlns:mc="http://schemas.openxmlformats.org/markup-compatibility/2006">
+    <mc:Choice xmlns:p14="http://schemas.microsoft.com/office/powerpoint/2010/main" Requires="p14">
+      <p:transition spd="slow" p14:dur="1300">
+        <p14:pan dir="u"/>
+      </p:transition>
+    </mc:Choice>
+    <mc:Fallback>
+      <p:transition spd="slow">
+        <p:fade/>
+      </p:transition>
+    </mc:Fallback>
+  </mc:AlternateContent>
+  <p:timing>
+    <p:tnLst>
+      <p:par>
+        <p:cTn id="1" dur="indefinite" restart="never" nodeType="tmRoot">
+          <p:childTnLst>
+            <p:seq concurrent="1" nextAc="seek">
+              <p:cTn id="2" dur="indefinite" nodeType="mainSeq">
+                <p:childTnLst>
+                  <p:par>
+                    <p:cTn id="3" fill="hold">
+                      <p:stCondLst>
+                        <p:cond delay="indefinite"/>
+                      </p:stCondLst>
+                      <p:childTnLst>
+                        <p:par>
+                          <p:cTn id="4" fill="hold">
+                            <p:stCondLst>
+                              <p:cond delay="0"/>
+                            </p:stCondLst>
+                            <p:childTnLst>
+                              <p:par>
+                                <p:cTn id="5" presetID="1" presetClass="entr" presetSubtype="0" fill="hold" grpId="0" nodeType="clickEffect">
+                                  <p:stCondLst>
+                                    <p:cond delay="0"/>
+                                  </p:stCondLst>
+                                  <p:childTnLst>
+                                    <p:set>
+                                      <p:cBhvr>
+                                        <p:cTn id="6" dur="1" fill="hold">
+                                          <p:stCondLst>
+                                            <p:cond delay="0"/>
+                                          </p:stCondLst>
+                                        </p:cTn>
+                                        <p:tgtEl>
+                                          <p:spTgt spid="3">
+                                            <p:txEl>
+                                              <p:pRg st="0" end="0"/>
+                                            </p:txEl>
+                                          </p:spTgt>
+                                        </p:tgtEl>
+                                        <p:attrNameLst>
+                                          <p:attrName>style.visibility</p:attrName>
+                                        </p:attrNameLst>
+                                      </p:cBhvr>
+                                      <p:to>
+                                        <p:strVal val="visible"/>
+                                      </p:to>
+                                    </p:set>
+                                  </p:childTnLst>
+                                </p:cTn>
+                              </p:par>
+                            </p:childTnLst>
+                          </p:cTn>
+                        </p:par>
+                      </p:childTnLst>
+                    </p:cTn>
+                  </p:par>
+                  <p:par>
+                    <p:cTn id="7" fill="hold">
+                      <p:stCondLst>
+                        <p:cond delay="indefinite"/>
+                      </p:stCondLst>
+                      <p:childTnLst>
+                        <p:par>
+                          <p:cTn id="8" fill="hold">
+                            <p:stCondLst>
+                              <p:cond delay="0"/>
+                            </p:stCondLst>
+                            <p:childTnLst>
+                              <p:par>
+                                <p:cTn id="9" presetID="1" presetClass="entr" presetSubtype="0" fill="hold" grpId="0" nodeType="clickEffect">
+                                  <p:stCondLst>
+                                    <p:cond delay="0"/>
+                                  </p:stCondLst>
+                                  <p:childTnLst>
+                                    <p:set>
+                                      <p:cBhvr>
+                                        <p:cTn id="10" dur="1" fill="hold">
+                                          <p:stCondLst>
+                                            <p:cond delay="0"/>
+                                          </p:stCondLst>
+                                        </p:cTn>
+                                        <p:tgtEl>
+                                          <p:spTgt spid="3">
+                                            <p:txEl>
+                                              <p:pRg st="2" end="2"/>
+                                            </p:txEl>
+                                          </p:spTgt>
+                                        </p:tgtEl>
+                                        <p:attrNameLst>
+                                          <p:attrName>style.visibility</p:attrName>
+                                        </p:attrNameLst>
+                                      </p:cBhvr>
+                                      <p:to>
+                                        <p:strVal val="visible"/>
+                                      </p:to>
+                                    </p:set>
+                                  </p:childTnLst>
+                                </p:cTn>
+                              </p:par>
+                            </p:childTnLst>
+                          </p:cTn>
+                        </p:par>
+                      </p:childTnLst>
+                    </p:cTn>
+                  </p:par>
+                  <p:par>
+                    <p:cTn id="11" fill="hold">
+                      <p:stCondLst>
+                        <p:cond delay="indefinite"/>
+                      </p:stCondLst>
+                      <p:childTnLst>
+                        <p:par>
+                          <p:cTn id="12" fill="hold">
+                            <p:stCondLst>
+                              <p:cond delay="0"/>
+                            </p:stCondLst>
+                            <p:childTnLst>
+                              <p:par>
+                                <p:cTn id="13" presetID="1" presetClass="entr" presetSubtype="0" fill="hold" grpId="0" nodeType="clickEffect">
+                                  <p:stCondLst>
+                                    <p:cond delay="0"/>
+                                  </p:stCondLst>
+                                  <p:childTnLst>
+                                    <p:set>
+                                      <p:cBhvr>
+                                        <p:cTn id="14" dur="1" fill="hold">
+                                          <p:stCondLst>
+                                            <p:cond delay="0"/>
+                                          </p:stCondLst>
+                                        </p:cTn>
+                                        <p:tgtEl>
+                                          <p:spTgt spid="3">
+                                            <p:txEl>
+                                              <p:pRg st="3" end="3"/>
+                                            </p:txEl>
+                                          </p:spTgt>
+                                        </p:tgtEl>
+                                        <p:attrNameLst>
+                                          <p:attrName>style.visibility</p:attrName>
+                                        </p:attrNameLst>
+                                      </p:cBhvr>
+                                      <p:to>
+                                        <p:strVal val="visible"/>
+                                      </p:to>
+                                    </p:set>
+                                  </p:childTnLst>
+                                </p:cTn>
+                              </p:par>
+                            </p:childTnLst>
+                          </p:cTn>
+                        </p:par>
+                      </p:childTnLst>
+                    </p:cTn>
+                  </p:par>
+                  <p:par>
+                    <p:cTn id="15" fill="hold">
+                      <p:stCondLst>
+                        <p:cond delay="indefinite"/>
+                      </p:stCondLst>
+                      <p:childTnLst>
+                        <p:par>
+                          <p:cTn id="16" fill="hold">
+                            <p:stCondLst>
+                              <p:cond delay="0"/>
+                            </p:stCondLst>
+                            <p:childTnLst>
+                              <p:par>
+                                <p:cTn id="17" presetID="1" presetClass="entr" presetSubtype="0" fill="hold" grpId="0" nodeType="clickEffect">
+                                  <p:stCondLst>
+                                    <p:cond delay="0"/>
+                                  </p:stCondLst>
+                                  <p:childTnLst>
+                                    <p:set>
+                                      <p:cBhvr>
+                                        <p:cTn id="18" dur="1" fill="hold">
+                                          <p:stCondLst>
+                                            <p:cond delay="0"/>
+                                          </p:stCondLst>
+                                        </p:cTn>
+                                        <p:tgtEl>
+                                          <p:spTgt spid="3">
+                                            <p:txEl>
+                                              <p:pRg st="4" end="4"/>
+                                            </p:txEl>
+                                          </p:spTgt>
+                                        </p:tgtEl>
+                                        <p:attrNameLst>
+                                          <p:attrName>style.visibility</p:attrName>
+                                        </p:attrNameLst>
+                                      </p:cBhvr>
+                                      <p:to>
+                                        <p:strVal val="visible"/>
+                                      </p:to>
+                                    </p:set>
+                                  </p:childTnLst>
+                                </p:cTn>
+                              </p:par>
+                            </p:childTnLst>
+                          </p:cTn>
+                        </p:par>
+                      </p:childTnLst>
+                    </p:cTn>
+                  </p:par>
+                  <p:par>
+                    <p:cTn id="19" fill="hold">
+                      <p:stCondLst>
+                        <p:cond delay="indefinite"/>
+                      </p:stCondLst>
+                      <p:childTnLst>
+                        <p:par>
+                          <p:cTn id="20" fill="hold">
+                            <p:stCondLst>
+                              <p:cond delay="0"/>
+                            </p:stCondLst>
+                            <p:childTnLst>
+                              <p:par>
+                                <p:cTn id="21" presetID="1" presetClass="entr" presetSubtype="0" fill="hold" grpId="0" nodeType="clickEffect">
+                                  <p:stCondLst>
+                                    <p:cond delay="0"/>
+                                  </p:stCondLst>
+                                  <p:childTnLst>
+                                    <p:set>
+                                      <p:cBhvr>
+                                        <p:cTn id="22" dur="1" fill="hold">
+                                          <p:stCondLst>
+                                            <p:cond delay="0"/>
+                                          </p:stCondLst>
+                                        </p:cTn>
+                                        <p:tgtEl>
+                                          <p:spTgt spid="5"/>
+                                        </p:tgtEl>
+                                        <p:attrNameLst>
+                                          <p:attrName>style.visibility</p:attrName>
+                                        </p:attrNameLst>
+                                      </p:cBhvr>
+                                      <p:to>
+                                        <p:strVal val="visible"/>
+                                      </p:to>
+                                    </p:set>
+                                  </p:childTnLst>
+                                </p:cTn>
+                              </p:par>
+                              <p:par>
+                                <p:cTn id="23" presetID="1" presetClass="entr" presetSubtype="0" fill="hold" grpId="0" nodeType="withEffect">
+                                  <p:stCondLst>
+                                    <p:cond delay="0"/>
+                                  </p:stCondLst>
+                                  <p:childTnLst>
+                                    <p:set>
+                                      <p:cBhvr>
+                                        <p:cTn id="24" dur="1" fill="hold">
+                                          <p:stCondLst>
+                                            <p:cond delay="0"/>
+                                          </p:stCondLst>
+                                        </p:cTn>
+                                        <p:tgtEl>
+                                          <p:spTgt spid="7"/>
+                                        </p:tgtEl>
+                                        <p:attrNameLst>
+                                          <p:attrName>style.visibility</p:attrName>
+                                        </p:attrNameLst>
+                                      </p:cBhvr>
+                                      <p:to>
+                                        <p:strVal val="visible"/>
+                                      </p:to>
+                                    </p:set>
+                                  </p:childTnLst>
+                                </p:cTn>
+                              </p:par>
+                              <p:par>
+                                <p:cTn id="25" presetID="1" presetClass="entr" presetSubtype="0" fill="hold" grpId="0" nodeType="withEffect">
+                                  <p:stCondLst>
+                                    <p:cond delay="0"/>
+                                  </p:stCondLst>
+                                  <p:childTnLst>
+                                    <p:set>
+                                      <p:cBhvr>
+                                        <p:cTn id="26" dur="1" fill="hold">
+                                          <p:stCondLst>
+                                            <p:cond delay="0"/>
+                                          </p:stCondLst>
+                                        </p:cTn>
+                                        <p:tgtEl>
+                                          <p:spTgt spid="8"/>
+                                        </p:tgtEl>
+                                        <p:attrNameLst>
+                                          <p:attrName>style.visibility</p:attrName>
+                                        </p:attrNameLst>
+                                      </p:cBhvr>
+                                      <p:to>
+                                        <p:strVal val="visible"/>
+                                      </p:to>
+                                    </p:set>
+                                  </p:childTnLst>
+                                </p:cTn>
+                              </p:par>
+                              <p:par>
+                                <p:cTn id="27" presetID="1" presetClass="entr" presetSubtype="0" fill="hold" grpId="0" nodeType="withEffect">
+                                  <p:stCondLst>
+                                    <p:cond delay="0"/>
+                                  </p:stCondLst>
+                                  <p:childTnLst>
+                                    <p:set>
+                                      <p:cBhvr>
+                                        <p:cTn id="28" dur="1" fill="hold">
+                                          <p:stCondLst>
+                                            <p:cond delay="0"/>
+                                          </p:stCondLst>
+                                        </p:cTn>
+                                        <p:tgtEl>
+                                          <p:spTgt spid="11"/>
+                                        </p:tgtEl>
+                                        <p:attrNameLst>
+                                          <p:attrName>style.visibility</p:attrName>
+                                        </p:attrNameLst>
+                                      </p:cBhvr>
+                                      <p:to>
+                                        <p:strVal val="visible"/>
+                                      </p:to>
+                                    </p:set>
+                                  </p:childTnLst>
+                                </p:cTn>
+                              </p:par>
+                              <p:par>
+                                <p:cTn id="29" presetID="1" presetClass="entr" presetSubtype="0" fill="hold" grpId="0" nodeType="withEffect">
+                                  <p:stCondLst>
+                                    <p:cond delay="0"/>
+                                  </p:stCondLst>
+                                  <p:childTnLst>
+                                    <p:set>
+                                      <p:cBhvr>
+                                        <p:cTn id="30" dur="1" fill="hold">
+                                          <p:stCondLst>
+                                            <p:cond delay="0"/>
+                                          </p:stCondLst>
+                                        </p:cTn>
+                                        <p:tgtEl>
+                                          <p:spTgt spid="13"/>
+                                        </p:tgtEl>
+                                        <p:attrNameLst>
+                                          <p:attrName>style.visibility</p:attrName>
+                                        </p:attrNameLst>
+                                      </p:cBhvr>
+                                      <p:to>
+                                        <p:strVal val="visible"/>
+                                      </p:to>
+                                    </p:set>
+                                  </p:childTnLst>
+                                </p:cTn>
+                              </p:par>
+                              <p:par>
+                                <p:cTn id="31" presetID="1" presetClass="entr" presetSubtype="0" fill="hold" nodeType="withEffect">
+                                  <p:stCondLst>
+                                    <p:cond delay="0"/>
+                                  </p:stCondLst>
+                                  <p:childTnLst>
+                                    <p:set>
+                                      <p:cBhvr>
+                                        <p:cTn id="32" dur="1" fill="hold">
+                                          <p:stCondLst>
+                                            <p:cond delay="0"/>
+                                          </p:stCondLst>
+                                        </p:cTn>
+                                        <p:tgtEl>
+                                          <p:spTgt spid="16"/>
+                                        </p:tgtEl>
+                                        <p:attrNameLst>
+                                          <p:attrName>style.visibility</p:attrName>
+                                        </p:attrNameLst>
+                                      </p:cBhvr>
+                                      <p:to>
+                                        <p:strVal val="visible"/>
+                                      </p:to>
+                                    </p:set>
+                                  </p:childTnLst>
+                                </p:cTn>
+                              </p:par>
+                              <p:par>
+                                <p:cTn id="33" presetID="1" presetClass="entr" presetSubtype="0" fill="hold" nodeType="withEffect">
+                                  <p:stCondLst>
+                                    <p:cond delay="0"/>
+                                  </p:stCondLst>
+                                  <p:childTnLst>
+                                    <p:set>
+                                      <p:cBhvr>
+                                        <p:cTn id="34" dur="1" fill="hold">
+                                          <p:stCondLst>
+                                            <p:cond delay="0"/>
+                                          </p:stCondLst>
+                                        </p:cTn>
+                                        <p:tgtEl>
+                                          <p:spTgt spid="18"/>
+                                        </p:tgtEl>
+                                        <p:attrNameLst>
+                                          <p:attrName>style.visibility</p:attrName>
+                                        </p:attrNameLst>
+                                      </p:cBhvr>
+                                      <p:to>
+                                        <p:strVal val="visible"/>
+                                      </p:to>
+                                    </p:set>
+                                  </p:childTnLst>
+                                </p:cTn>
+                              </p:par>
+                              <p:par>
+                                <p:cTn id="35" presetID="1" presetClass="entr" presetSubtype="0" fill="hold" nodeType="withEffect">
+                                  <p:stCondLst>
+                                    <p:cond delay="0"/>
+                                  </p:stCondLst>
+                                  <p:childTnLst>
+                                    <p:set>
+                                      <p:cBhvr>
+                                        <p:cTn id="36" dur="1" fill="hold">
+                                          <p:stCondLst>
+                                            <p:cond delay="0"/>
+                                          </p:stCondLst>
+                                        </p:cTn>
+                                        <p:tgtEl>
+                                          <p:spTgt spid="22"/>
+                                        </p:tgtEl>
+                                        <p:attrNameLst>
+                                          <p:attrName>style.visibility</p:attrName>
+                                        </p:attrNameLst>
+                                      </p:cBhvr>
+                                      <p:to>
+                                        <p:strVal val="visible"/>
+                                      </p:to>
+                                    </p:set>
+                                  </p:childTnLst>
+                                </p:cTn>
+                              </p:par>
+                              <p:par>
+                                <p:cTn id="37" presetID="1" presetClass="entr" presetSubtype="0" fill="hold" nodeType="withEffect">
+                                  <p:stCondLst>
+                                    <p:cond delay="0"/>
+                                  </p:stCondLst>
+                                  <p:childTnLst>
+                                    <p:set>
+                                      <p:cBhvr>
+                                        <p:cTn id="38" dur="1" fill="hold">
+                                          <p:stCondLst>
+                                            <p:cond delay="0"/>
+                                          </p:stCondLst>
+                                        </p:cTn>
+                                        <p:tgtEl>
+                                          <p:spTgt spid="24"/>
+                                        </p:tgtEl>
+                                        <p:attrNameLst>
+                                          <p:attrName>style.visibility</p:attrName>
+                                        </p:attrNameLst>
+                                      </p:cBhvr>
+                                      <p:to>
+                                        <p:strVal val="visible"/>
+                                      </p:to>
+                                    </p:set>
+                                  </p:childTnLst>
+                                </p:cTn>
+                              </p:par>
+                              <p:par>
+                                <p:cTn id="39" presetID="1" presetClass="entr" presetSubtype="0" fill="hold" nodeType="withEffect">
+                                  <p:stCondLst>
+                                    <p:cond delay="0"/>
+                                  </p:stCondLst>
+                                  <p:childTnLst>
+                                    <p:set>
+                                      <p:cBhvr>
+                                        <p:cTn id="40" dur="1" fill="hold">
+                                          <p:stCondLst>
+                                            <p:cond delay="0"/>
+                                          </p:stCondLst>
+                                        </p:cTn>
+                                        <p:tgtEl>
+                                          <p:spTgt spid="27"/>
+                                        </p:tgtEl>
+                                        <p:attrNameLst>
+                                          <p:attrName>style.visibility</p:attrName>
+                                        </p:attrNameLst>
+                                      </p:cBhvr>
+                                      <p:to>
+                                        <p:strVal val="visible"/>
+                                      </p:to>
+                                    </p:set>
+                                  </p:childTnLst>
+                                </p:cTn>
+                              </p:par>
+                              <p:par>
+                                <p:cTn id="41" presetID="1" presetClass="entr" presetSubtype="0" fill="hold" nodeType="withEffect">
+                                  <p:stCondLst>
+                                    <p:cond delay="0"/>
+                                  </p:stCondLst>
+                                  <p:childTnLst>
+                                    <p:set>
+                                      <p:cBhvr>
+                                        <p:cTn id="42" dur="1" fill="hold">
+                                          <p:stCondLst>
+                                            <p:cond delay="0"/>
+                                          </p:stCondLst>
+                                        </p:cTn>
+                                        <p:tgtEl>
+                                          <p:spTgt spid="29"/>
+                                        </p:tgtEl>
+                                        <p:attrNameLst>
+                                          <p:attrName>style.visibility</p:attrName>
+                                        </p:attrNameLst>
+                                      </p:cBhvr>
+                                      <p:to>
+                                        <p:strVal val="visible"/>
+                                      </p:to>
+                                    </p:set>
+                                  </p:childTnLst>
+                                </p:cTn>
+                              </p:par>
+                              <p:par>
+                                <p:cTn id="43" presetID="1" presetClass="entr" presetSubtype="0" fill="hold" grpId="0" nodeType="withEffect">
+                                  <p:stCondLst>
+                                    <p:cond delay="0"/>
+                                  </p:stCondLst>
+                                  <p:childTnLst>
+                                    <p:set>
+                                      <p:cBhvr>
+                                        <p:cTn id="44" dur="1" fill="hold">
+                                          <p:stCondLst>
+                                            <p:cond delay="0"/>
+                                          </p:stCondLst>
+                                        </p:cTn>
+                                        <p:tgtEl>
+                                          <p:spTgt spid="30"/>
+                                        </p:tgtEl>
+                                        <p:attrNameLst>
+                                          <p:attrName>style.visibility</p:attrName>
+                                        </p:attrNameLst>
+                                      </p:cBhvr>
+                                      <p:to>
+                                        <p:strVal val="visible"/>
+                                      </p:to>
+                                    </p:set>
+                                  </p:childTnLst>
+                                </p:cTn>
+                              </p:par>
+                              <p:par>
+                                <p:cTn id="45" presetID="1" presetClass="entr" presetSubtype="0" fill="hold" grpId="0" nodeType="withEffect">
+                                  <p:stCondLst>
+                                    <p:cond delay="0"/>
+                                  </p:stCondLst>
+                                  <p:childTnLst>
+                                    <p:set>
+                                      <p:cBhvr>
+                                        <p:cTn id="46" dur="1" fill="hold">
+                                          <p:stCondLst>
+                                            <p:cond delay="0"/>
+                                          </p:stCondLst>
+                                        </p:cTn>
+                                        <p:tgtEl>
+                                          <p:spTgt spid="32"/>
+                                        </p:tgtEl>
+                                        <p:attrNameLst>
+                                          <p:attrName>style.visibility</p:attrName>
+                                        </p:attrNameLst>
+                                      </p:cBhvr>
+                                      <p:to>
+                                        <p:strVal val="visible"/>
+                                      </p:to>
+                                    </p:set>
+                                  </p:childTnLst>
+                                </p:cTn>
+                              </p:par>
+                              <p:par>
+                                <p:cTn id="47" presetID="1" presetClass="entr" presetSubtype="0" fill="hold" grpId="0" nodeType="withEffect">
+                                  <p:stCondLst>
+                                    <p:cond delay="0"/>
+                                  </p:stCondLst>
+                                  <p:childTnLst>
+                                    <p:set>
+                                      <p:cBhvr>
+                                        <p:cTn id="48" dur="1" fill="hold">
+                                          <p:stCondLst>
+                                            <p:cond delay="0"/>
+                                          </p:stCondLst>
+                                        </p:cTn>
+                                        <p:tgtEl>
+                                          <p:spTgt spid="14"/>
+                                        </p:tgtEl>
+                                        <p:attrNameLst>
+                                          <p:attrName>style.visibility</p:attrName>
+                                        </p:attrNameLst>
+                                      </p:cBhvr>
+                                      <p:to>
+                                        <p:strVal val="visible"/>
+                                      </p:to>
+                                    </p:set>
+                                  </p:childTnLst>
+                                </p:cTn>
+                              </p:par>
+                            </p:childTnLst>
+                          </p:cTn>
+                        </p:par>
+                      </p:childTnLst>
+                    </p:cTn>
+                  </p:par>
+                </p:childTnLst>
+              </p:cTn>
+              <p:prevCondLst>
+                <p:cond evt="onPrev" delay="0">
+                  <p:tgtEl>
+                    <p:sldTgt/>
+                  </p:tgtEl>
+                </p:cond>
+              </p:prevCondLst>
+              <p:nextCondLst>
+                <p:cond evt="onNext" delay="0">
+                  <p:tgtEl>
+                    <p:sldTgt/>
+                  </p:tgtEl>
+                </p:cond>
+              </p:nextCondLst>
+            </p:seq>
+          </p:childTnLst>
+        </p:cTn>
+      </p:par>
+    </p:tnLst>
+    <p:bldLst>
+      <p:bldP spid="3" grpId="0" build="p"/>
+      <p:bldP spid="5" grpId="0" animBg="1"/>
+      <p:bldP spid="7" grpId="0" animBg="1"/>
+      <p:bldP spid="8" grpId="0" animBg="1"/>
+      <p:bldP spid="11" grpId="0" animBg="1"/>
+      <p:bldP spid="13" grpId="0" animBg="1"/>
+      <p:bldP spid="14" grpId="0" animBg="1"/>
+      <p:bldP spid="30" grpId="0"/>
+      <p:bldP spid="32" grpId="0"/>
+    </p:bldLst>
+  </p:timing>
 </p:sld>
 </file>
 
@@ -5214,6 +6129,267 @@
   <p:clrMapOvr>
     <a:masterClrMapping/>
   </p:clrMapOvr>
+  <mc:AlternateContent xmlns:mc="http://schemas.openxmlformats.org/markup-compatibility/2006">
+    <mc:Choice xmlns:p14="http://schemas.microsoft.com/office/powerpoint/2010/main" Requires="p14">
+      <p:transition spd="slow" p14:dur="1300">
+        <p14:pan dir="u"/>
+      </p:transition>
+    </mc:Choice>
+    <mc:Fallback>
+      <p:transition spd="slow">
+        <p:fade/>
+      </p:transition>
+    </mc:Fallback>
+  </mc:AlternateContent>
+  <p:timing>
+    <p:tnLst>
+      <p:par>
+        <p:cTn id="1" dur="indefinite" restart="never" nodeType="tmRoot">
+          <p:childTnLst>
+            <p:seq concurrent="1" nextAc="seek">
+              <p:cTn id="2" dur="indefinite" nodeType="mainSeq">
+                <p:childTnLst>
+                  <p:par>
+                    <p:cTn id="3" fill="hold">
+                      <p:stCondLst>
+                        <p:cond delay="indefinite"/>
+                      </p:stCondLst>
+                      <p:childTnLst>
+                        <p:par>
+                          <p:cTn id="4" fill="hold">
+                            <p:stCondLst>
+                              <p:cond delay="0"/>
+                            </p:stCondLst>
+                            <p:childTnLst>
+                              <p:par>
+                                <p:cTn id="5" presetID="1" presetClass="entr" presetSubtype="0" fill="hold" grpId="0" nodeType="clickEffect">
+                                  <p:stCondLst>
+                                    <p:cond delay="0"/>
+                                  </p:stCondLst>
+                                  <p:childTnLst>
+                                    <p:set>
+                                      <p:cBhvr>
+                                        <p:cTn id="6" dur="1" fill="hold">
+                                          <p:stCondLst>
+                                            <p:cond delay="0"/>
+                                          </p:stCondLst>
+                                        </p:cTn>
+                                        <p:tgtEl>
+                                          <p:spTgt spid="3">
+                                            <p:txEl>
+                                              <p:pRg st="0" end="0"/>
+                                            </p:txEl>
+                                          </p:spTgt>
+                                        </p:tgtEl>
+                                        <p:attrNameLst>
+                                          <p:attrName>style.visibility</p:attrName>
+                                        </p:attrNameLst>
+                                      </p:cBhvr>
+                                      <p:to>
+                                        <p:strVal val="visible"/>
+                                      </p:to>
+                                    </p:set>
+                                  </p:childTnLst>
+                                </p:cTn>
+                              </p:par>
+                              <p:par>
+                                <p:cTn id="7" presetID="1" presetClass="entr" presetSubtype="0" fill="hold" grpId="0" nodeType="withEffect">
+                                  <p:stCondLst>
+                                    <p:cond delay="0"/>
+                                  </p:stCondLst>
+                                  <p:childTnLst>
+                                    <p:set>
+                                      <p:cBhvr>
+                                        <p:cTn id="8" dur="1" fill="hold">
+                                          <p:stCondLst>
+                                            <p:cond delay="0"/>
+                                          </p:stCondLst>
+                                        </p:cTn>
+                                        <p:tgtEl>
+                                          <p:spTgt spid="4"/>
+                                        </p:tgtEl>
+                                        <p:attrNameLst>
+                                          <p:attrName>style.visibility</p:attrName>
+                                        </p:attrNameLst>
+                                      </p:cBhvr>
+                                      <p:to>
+                                        <p:strVal val="visible"/>
+                                      </p:to>
+                                    </p:set>
+                                  </p:childTnLst>
+                                </p:cTn>
+                              </p:par>
+                              <p:par>
+                                <p:cTn id="9" presetID="1" presetClass="entr" presetSubtype="0" fill="hold" grpId="0" nodeType="withEffect">
+                                  <p:stCondLst>
+                                    <p:cond delay="0"/>
+                                  </p:stCondLst>
+                                  <p:childTnLst>
+                                    <p:set>
+                                      <p:cBhvr>
+                                        <p:cTn id="10" dur="1" fill="hold">
+                                          <p:stCondLst>
+                                            <p:cond delay="0"/>
+                                          </p:stCondLst>
+                                        </p:cTn>
+                                        <p:tgtEl>
+                                          <p:spTgt spid="3">
+                                            <p:txEl>
+                                              <p:pRg st="1" end="1"/>
+                                            </p:txEl>
+                                          </p:spTgt>
+                                        </p:tgtEl>
+                                        <p:attrNameLst>
+                                          <p:attrName>style.visibility</p:attrName>
+                                        </p:attrNameLst>
+                                      </p:cBhvr>
+                                      <p:to>
+                                        <p:strVal val="visible"/>
+                                      </p:to>
+                                    </p:set>
+                                  </p:childTnLst>
+                                </p:cTn>
+                              </p:par>
+                            </p:childTnLst>
+                          </p:cTn>
+                        </p:par>
+                      </p:childTnLst>
+                    </p:cTn>
+                  </p:par>
+                  <p:par>
+                    <p:cTn id="11" fill="hold">
+                      <p:stCondLst>
+                        <p:cond delay="indefinite"/>
+                      </p:stCondLst>
+                      <p:childTnLst>
+                        <p:par>
+                          <p:cTn id="12" fill="hold">
+                            <p:stCondLst>
+                              <p:cond delay="0"/>
+                            </p:stCondLst>
+                            <p:childTnLst>
+                              <p:par>
+                                <p:cTn id="13" presetID="1" presetClass="entr" presetSubtype="0" fill="hold" grpId="0" nodeType="clickEffect">
+                                  <p:stCondLst>
+                                    <p:cond delay="0"/>
+                                  </p:stCondLst>
+                                  <p:childTnLst>
+                                    <p:set>
+                                      <p:cBhvr>
+                                        <p:cTn id="14" dur="1" fill="hold">
+                                          <p:stCondLst>
+                                            <p:cond delay="0"/>
+                                          </p:stCondLst>
+                                        </p:cTn>
+                                        <p:tgtEl>
+                                          <p:spTgt spid="3">
+                                            <p:txEl>
+                                              <p:pRg st="4" end="4"/>
+                                            </p:txEl>
+                                          </p:spTgt>
+                                        </p:tgtEl>
+                                        <p:attrNameLst>
+                                          <p:attrName>style.visibility</p:attrName>
+                                        </p:attrNameLst>
+                                      </p:cBhvr>
+                                      <p:to>
+                                        <p:strVal val="visible"/>
+                                      </p:to>
+                                    </p:set>
+                                  </p:childTnLst>
+                                </p:cTn>
+                              </p:par>
+                              <p:par>
+                                <p:cTn id="15" presetID="1" presetClass="entr" presetSubtype="0" fill="hold" grpId="0" nodeType="withEffect">
+                                  <p:stCondLst>
+                                    <p:cond delay="0"/>
+                                  </p:stCondLst>
+                                  <p:childTnLst>
+                                    <p:set>
+                                      <p:cBhvr>
+                                        <p:cTn id="16" dur="1" fill="hold">
+                                          <p:stCondLst>
+                                            <p:cond delay="0"/>
+                                          </p:stCondLst>
+                                        </p:cTn>
+                                        <p:tgtEl>
+                                          <p:spTgt spid="5"/>
+                                        </p:tgtEl>
+                                        <p:attrNameLst>
+                                          <p:attrName>style.visibility</p:attrName>
+                                        </p:attrNameLst>
+                                      </p:cBhvr>
+                                      <p:to>
+                                        <p:strVal val="visible"/>
+                                      </p:to>
+                                    </p:set>
+                                  </p:childTnLst>
+                                </p:cTn>
+                              </p:par>
+                              <p:par>
+                                <p:cTn id="17" presetID="1" presetClass="entr" presetSubtype="0" fill="hold" grpId="0" nodeType="withEffect">
+                                  <p:stCondLst>
+                                    <p:cond delay="0"/>
+                                  </p:stCondLst>
+                                  <p:childTnLst>
+                                    <p:set>
+                                      <p:cBhvr>
+                                        <p:cTn id="18" dur="1" fill="hold">
+                                          <p:stCondLst>
+                                            <p:cond delay="0"/>
+                                          </p:stCondLst>
+                                        </p:cTn>
+                                        <p:tgtEl>
+                                          <p:spTgt spid="3">
+                                            <p:txEl>
+                                              <p:pRg st="5" end="5"/>
+                                            </p:txEl>
+                                          </p:spTgt>
+                                        </p:tgtEl>
+                                        <p:attrNameLst>
+                                          <p:attrName>style.visibility</p:attrName>
+                                        </p:attrNameLst>
+                                      </p:cBhvr>
+                                      <p:to>
+                                        <p:strVal val="visible"/>
+                                      </p:to>
+                                    </p:set>
+                                  </p:childTnLst>
+                                </p:cTn>
+                              </p:par>
+                            </p:childTnLst>
+                          </p:cTn>
+                        </p:par>
+                      </p:childTnLst>
+                    </p:cTn>
+                  </p:par>
+                </p:childTnLst>
+              </p:cTn>
+              <p:prevCondLst>
+                <p:cond evt="onPrev" delay="0">
+                  <p:tgtEl>
+                    <p:sldTgt/>
+                  </p:tgtEl>
+                </p:cond>
+              </p:prevCondLst>
+              <p:nextCondLst>
+                <p:cond evt="onNext" delay="0">
+                  <p:tgtEl>
+                    <p:sldTgt/>
+                  </p:tgtEl>
+                </p:cond>
+              </p:nextCondLst>
+            </p:seq>
+          </p:childTnLst>
+        </p:cTn>
+      </p:par>
+    </p:tnLst>
+    <p:bldLst>
+      <p:bldP spid="3" grpId="0" uiExpand="1" build="p"/>
+      <p:bldP spid="4" grpId="0" animBg="1"/>
+      <p:bldP spid="5" grpId="0" animBg="1"/>
+    </p:bldLst>
+  </p:timing>
 </p:sld>
 </file>
 
@@ -5382,15 +6558,7 @@
             </a:pPr>
             <a:r>
               <a:rPr lang="en-US" sz="2800" dirty="0"/>
-              <a:t>That the text is </a:t>
-            </a:r>
-            <a:r>
-              <a:rPr lang="en-US" sz="2800"/>
-              <a:t>not straight code</a:t>
-            </a:r>
-            <a:r>
-              <a:rPr lang="en-US" sz="2800" dirty="0"/>
-              <a:t>, but pseudo code instead.</a:t>
+              <a:t>That the text is not straight code, but pseudo code instead.</a:t>
             </a:r>
           </a:p>
         </p:txBody>
@@ -5405,6 +6573,18 @@
   <p:clrMapOvr>
     <a:masterClrMapping/>
   </p:clrMapOvr>
+  <mc:AlternateContent xmlns:mc="http://schemas.openxmlformats.org/markup-compatibility/2006">
+    <mc:Choice xmlns:p14="http://schemas.microsoft.com/office/powerpoint/2010/main" Requires="p14">
+      <p:transition spd="slow" p14:dur="1300">
+        <p14:pan dir="u"/>
+      </p:transition>
+    </mc:Choice>
+    <mc:Fallback>
+      <p:transition spd="slow">
+        <p:fade/>
+      </p:transition>
+    </mc:Fallback>
+  </mc:AlternateContent>
 </p:sld>
 </file>
 
@@ -5520,6 +6700,247 @@
   <p:clrMapOvr>
     <a:masterClrMapping/>
   </p:clrMapOvr>
+  <mc:AlternateContent xmlns:mc="http://schemas.openxmlformats.org/markup-compatibility/2006">
+    <mc:Choice xmlns:p14="http://schemas.microsoft.com/office/powerpoint/2010/main" Requires="p14">
+      <p:transition spd="slow" p14:dur="1300">
+        <p14:pan dir="u"/>
+      </p:transition>
+    </mc:Choice>
+    <mc:Fallback>
+      <p:transition spd="slow">
+        <p:fade/>
+      </p:transition>
+    </mc:Fallback>
+  </mc:AlternateContent>
+  <p:timing>
+    <p:tnLst>
+      <p:par>
+        <p:cTn id="1" dur="indefinite" restart="never" nodeType="tmRoot">
+          <p:childTnLst>
+            <p:seq concurrent="1" nextAc="seek">
+              <p:cTn id="2" dur="indefinite" nodeType="mainSeq">
+                <p:childTnLst>
+                  <p:par>
+                    <p:cTn id="3" fill="hold">
+                      <p:stCondLst>
+                        <p:cond delay="indefinite"/>
+                      </p:stCondLst>
+                      <p:childTnLst>
+                        <p:par>
+                          <p:cTn id="4" fill="hold">
+                            <p:stCondLst>
+                              <p:cond delay="0"/>
+                            </p:stCondLst>
+                            <p:childTnLst>
+                              <p:par>
+                                <p:cTn id="5" presetID="1" presetClass="entr" presetSubtype="0" fill="hold" grpId="0" nodeType="clickEffect">
+                                  <p:stCondLst>
+                                    <p:cond delay="0"/>
+                                  </p:stCondLst>
+                                  <p:childTnLst>
+                                    <p:set>
+                                      <p:cBhvr>
+                                        <p:cTn id="6" dur="1" fill="hold">
+                                          <p:stCondLst>
+                                            <p:cond delay="0"/>
+                                          </p:stCondLst>
+                                        </p:cTn>
+                                        <p:tgtEl>
+                                          <p:spTgt spid="3">
+                                            <p:txEl>
+                                              <p:pRg st="0" end="0"/>
+                                            </p:txEl>
+                                          </p:spTgt>
+                                        </p:tgtEl>
+                                        <p:attrNameLst>
+                                          <p:attrName>style.visibility</p:attrName>
+                                        </p:attrNameLst>
+                                      </p:cBhvr>
+                                      <p:to>
+                                        <p:strVal val="visible"/>
+                                      </p:to>
+                                    </p:set>
+                                  </p:childTnLst>
+                                </p:cTn>
+                              </p:par>
+                            </p:childTnLst>
+                          </p:cTn>
+                        </p:par>
+                      </p:childTnLst>
+                    </p:cTn>
+                  </p:par>
+                  <p:par>
+                    <p:cTn id="7" fill="hold">
+                      <p:stCondLst>
+                        <p:cond delay="indefinite"/>
+                      </p:stCondLst>
+                      <p:childTnLst>
+                        <p:par>
+                          <p:cTn id="8" fill="hold">
+                            <p:stCondLst>
+                              <p:cond delay="0"/>
+                            </p:stCondLst>
+                            <p:childTnLst>
+                              <p:par>
+                                <p:cTn id="9" presetID="1" presetClass="entr" presetSubtype="0" fill="hold" grpId="0" nodeType="clickEffect">
+                                  <p:stCondLst>
+                                    <p:cond delay="0"/>
+                                  </p:stCondLst>
+                                  <p:childTnLst>
+                                    <p:set>
+                                      <p:cBhvr>
+                                        <p:cTn id="10" dur="1" fill="hold">
+                                          <p:stCondLst>
+                                            <p:cond delay="0"/>
+                                          </p:stCondLst>
+                                        </p:cTn>
+                                        <p:tgtEl>
+                                          <p:spTgt spid="3">
+                                            <p:txEl>
+                                              <p:pRg st="1" end="1"/>
+                                            </p:txEl>
+                                          </p:spTgt>
+                                        </p:tgtEl>
+                                        <p:attrNameLst>
+                                          <p:attrName>style.visibility</p:attrName>
+                                        </p:attrNameLst>
+                                      </p:cBhvr>
+                                      <p:to>
+                                        <p:strVal val="visible"/>
+                                      </p:to>
+                                    </p:set>
+                                  </p:childTnLst>
+                                </p:cTn>
+                              </p:par>
+                            </p:childTnLst>
+                          </p:cTn>
+                        </p:par>
+                      </p:childTnLst>
+                    </p:cTn>
+                  </p:par>
+                  <p:par>
+                    <p:cTn id="11" fill="hold">
+                      <p:stCondLst>
+                        <p:cond delay="indefinite"/>
+                      </p:stCondLst>
+                      <p:childTnLst>
+                        <p:par>
+                          <p:cTn id="12" fill="hold">
+                            <p:stCondLst>
+                              <p:cond delay="0"/>
+                            </p:stCondLst>
+                            <p:childTnLst>
+                              <p:par>
+                                <p:cTn id="13" presetID="1" presetClass="entr" presetSubtype="0" fill="hold" grpId="0" nodeType="clickEffect">
+                                  <p:stCondLst>
+                                    <p:cond delay="0"/>
+                                  </p:stCondLst>
+                                  <p:childTnLst>
+                                    <p:set>
+                                      <p:cBhvr>
+                                        <p:cTn id="14" dur="1" fill="hold">
+                                          <p:stCondLst>
+                                            <p:cond delay="0"/>
+                                          </p:stCondLst>
+                                        </p:cTn>
+                                        <p:tgtEl>
+                                          <p:spTgt spid="3">
+                                            <p:txEl>
+                                              <p:pRg st="3" end="3"/>
+                                            </p:txEl>
+                                          </p:spTgt>
+                                        </p:tgtEl>
+                                        <p:attrNameLst>
+                                          <p:attrName>style.visibility</p:attrName>
+                                        </p:attrNameLst>
+                                      </p:cBhvr>
+                                      <p:to>
+                                        <p:strVal val="visible"/>
+                                      </p:to>
+                                    </p:set>
+                                  </p:childTnLst>
+                                </p:cTn>
+                              </p:par>
+                            </p:childTnLst>
+                          </p:cTn>
+                        </p:par>
+                      </p:childTnLst>
+                    </p:cTn>
+                  </p:par>
+                  <p:par>
+                    <p:cTn id="15" fill="hold">
+                      <p:stCondLst>
+                        <p:cond delay="indefinite"/>
+                      </p:stCondLst>
+                      <p:childTnLst>
+                        <p:par>
+                          <p:cTn id="16" fill="hold">
+                            <p:stCondLst>
+                              <p:cond delay="0"/>
+                            </p:stCondLst>
+                            <p:childTnLst>
+                              <p:par>
+                                <p:cTn id="17" presetID="1" presetClass="entr" presetSubtype="0" fill="hold" grpId="0" nodeType="clickEffect">
+                                  <p:stCondLst>
+                                    <p:cond delay="0"/>
+                                  </p:stCondLst>
+                                  <p:childTnLst>
+                                    <p:set>
+                                      <p:cBhvr>
+                                        <p:cTn id="18" dur="1" fill="hold">
+                                          <p:stCondLst>
+                                            <p:cond delay="0"/>
+                                          </p:stCondLst>
+                                        </p:cTn>
+                                        <p:tgtEl>
+                                          <p:spTgt spid="3">
+                                            <p:txEl>
+                                              <p:pRg st="5" end="5"/>
+                                            </p:txEl>
+                                          </p:spTgt>
+                                        </p:tgtEl>
+                                        <p:attrNameLst>
+                                          <p:attrName>style.visibility</p:attrName>
+                                        </p:attrNameLst>
+                                      </p:cBhvr>
+                                      <p:to>
+                                        <p:strVal val="visible"/>
+                                      </p:to>
+                                    </p:set>
+                                  </p:childTnLst>
+                                </p:cTn>
+                              </p:par>
+                            </p:childTnLst>
+                          </p:cTn>
+                        </p:par>
+                      </p:childTnLst>
+                    </p:cTn>
+                  </p:par>
+                </p:childTnLst>
+              </p:cTn>
+              <p:prevCondLst>
+                <p:cond evt="onPrev" delay="0">
+                  <p:tgtEl>
+                    <p:sldTgt/>
+                  </p:tgtEl>
+                </p:cond>
+              </p:prevCondLst>
+              <p:nextCondLst>
+                <p:cond evt="onNext" delay="0">
+                  <p:tgtEl>
+                    <p:sldTgt/>
+                  </p:tgtEl>
+                </p:cond>
+              </p:nextCondLst>
+            </p:seq>
+          </p:childTnLst>
+        </p:cTn>
+      </p:par>
+    </p:tnLst>
+    <p:bldLst>
+      <p:bldP spid="3" grpId="0" build="p"/>
+    </p:bldLst>
+  </p:timing>
 </p:sld>
 </file>
 
@@ -5661,6 +7082,353 @@
   <p:clrMapOvr>
     <a:masterClrMapping/>
   </p:clrMapOvr>
+  <mc:AlternateContent xmlns:mc="http://schemas.openxmlformats.org/markup-compatibility/2006">
+    <mc:Choice xmlns:p14="http://schemas.microsoft.com/office/powerpoint/2010/main" Requires="p14">
+      <p:transition spd="slow" p14:dur="1300">
+        <p14:pan dir="u"/>
+      </p:transition>
+    </mc:Choice>
+    <mc:Fallback>
+      <p:transition spd="slow">
+        <p:fade/>
+      </p:transition>
+    </mc:Fallback>
+  </mc:AlternateContent>
+  <p:timing>
+    <p:tnLst>
+      <p:par>
+        <p:cTn id="1" dur="indefinite" restart="never" nodeType="tmRoot">
+          <p:childTnLst>
+            <p:seq concurrent="1" nextAc="seek">
+              <p:cTn id="2" dur="indefinite" nodeType="mainSeq">
+                <p:childTnLst>
+                  <p:par>
+                    <p:cTn id="3" fill="hold">
+                      <p:stCondLst>
+                        <p:cond delay="indefinite"/>
+                      </p:stCondLst>
+                      <p:childTnLst>
+                        <p:par>
+                          <p:cTn id="4" fill="hold">
+                            <p:stCondLst>
+                              <p:cond delay="0"/>
+                            </p:stCondLst>
+                            <p:childTnLst>
+                              <p:par>
+                                <p:cTn id="5" presetID="1" presetClass="entr" presetSubtype="0" fill="hold" grpId="0" nodeType="clickEffect">
+                                  <p:stCondLst>
+                                    <p:cond delay="0"/>
+                                  </p:stCondLst>
+                                  <p:childTnLst>
+                                    <p:set>
+                                      <p:cBhvr>
+                                        <p:cTn id="6" dur="1" fill="hold">
+                                          <p:stCondLst>
+                                            <p:cond delay="0"/>
+                                          </p:stCondLst>
+                                        </p:cTn>
+                                        <p:tgtEl>
+                                          <p:spTgt spid="3">
+                                            <p:txEl>
+                                              <p:pRg st="0" end="0"/>
+                                            </p:txEl>
+                                          </p:spTgt>
+                                        </p:tgtEl>
+                                        <p:attrNameLst>
+                                          <p:attrName>style.visibility</p:attrName>
+                                        </p:attrNameLst>
+                                      </p:cBhvr>
+                                      <p:to>
+                                        <p:strVal val="visible"/>
+                                      </p:to>
+                                    </p:set>
+                                  </p:childTnLst>
+                                </p:cTn>
+                              </p:par>
+                              <p:par>
+                                <p:cTn id="7" presetID="1" presetClass="entr" presetSubtype="0" fill="hold" grpId="0" nodeType="withEffect">
+                                  <p:stCondLst>
+                                    <p:cond delay="0"/>
+                                  </p:stCondLst>
+                                  <p:childTnLst>
+                                    <p:set>
+                                      <p:cBhvr>
+                                        <p:cTn id="8" dur="1" fill="hold">
+                                          <p:stCondLst>
+                                            <p:cond delay="0"/>
+                                          </p:stCondLst>
+                                        </p:cTn>
+                                        <p:tgtEl>
+                                          <p:spTgt spid="3">
+                                            <p:txEl>
+                                              <p:pRg st="1" end="1"/>
+                                            </p:txEl>
+                                          </p:spTgt>
+                                        </p:tgtEl>
+                                        <p:attrNameLst>
+                                          <p:attrName>style.visibility</p:attrName>
+                                        </p:attrNameLst>
+                                      </p:cBhvr>
+                                      <p:to>
+                                        <p:strVal val="visible"/>
+                                      </p:to>
+                                    </p:set>
+                                  </p:childTnLst>
+                                </p:cTn>
+                              </p:par>
+                              <p:par>
+                                <p:cTn id="9" presetID="1" presetClass="entr" presetSubtype="0" fill="hold" grpId="0" nodeType="withEffect">
+                                  <p:stCondLst>
+                                    <p:cond delay="0"/>
+                                  </p:stCondLst>
+                                  <p:childTnLst>
+                                    <p:set>
+                                      <p:cBhvr>
+                                        <p:cTn id="10" dur="1" fill="hold">
+                                          <p:stCondLst>
+                                            <p:cond delay="0"/>
+                                          </p:stCondLst>
+                                        </p:cTn>
+                                        <p:tgtEl>
+                                          <p:spTgt spid="3">
+                                            <p:txEl>
+                                              <p:pRg st="2" end="2"/>
+                                            </p:txEl>
+                                          </p:spTgt>
+                                        </p:tgtEl>
+                                        <p:attrNameLst>
+                                          <p:attrName>style.visibility</p:attrName>
+                                        </p:attrNameLst>
+                                      </p:cBhvr>
+                                      <p:to>
+                                        <p:strVal val="visible"/>
+                                      </p:to>
+                                    </p:set>
+                                  </p:childTnLst>
+                                </p:cTn>
+                              </p:par>
+                              <p:par>
+                                <p:cTn id="11" presetID="1" presetClass="entr" presetSubtype="0" fill="hold" grpId="0" nodeType="withEffect">
+                                  <p:stCondLst>
+                                    <p:cond delay="0"/>
+                                  </p:stCondLst>
+                                  <p:childTnLst>
+                                    <p:set>
+                                      <p:cBhvr>
+                                        <p:cTn id="12" dur="1" fill="hold">
+                                          <p:stCondLst>
+                                            <p:cond delay="0"/>
+                                          </p:stCondLst>
+                                        </p:cTn>
+                                        <p:tgtEl>
+                                          <p:spTgt spid="3">
+                                            <p:txEl>
+                                              <p:pRg st="3" end="3"/>
+                                            </p:txEl>
+                                          </p:spTgt>
+                                        </p:tgtEl>
+                                        <p:attrNameLst>
+                                          <p:attrName>style.visibility</p:attrName>
+                                        </p:attrNameLst>
+                                      </p:cBhvr>
+                                      <p:to>
+                                        <p:strVal val="visible"/>
+                                      </p:to>
+                                    </p:set>
+                                  </p:childTnLst>
+                                </p:cTn>
+                              </p:par>
+                            </p:childTnLst>
+                          </p:cTn>
+                        </p:par>
+                      </p:childTnLst>
+                    </p:cTn>
+                  </p:par>
+                  <p:par>
+                    <p:cTn id="13" fill="hold">
+                      <p:stCondLst>
+                        <p:cond delay="indefinite"/>
+                      </p:stCondLst>
+                      <p:childTnLst>
+                        <p:par>
+                          <p:cTn id="14" fill="hold">
+                            <p:stCondLst>
+                              <p:cond delay="0"/>
+                            </p:stCondLst>
+                            <p:childTnLst>
+                              <p:par>
+                                <p:cTn id="15" presetID="1" presetClass="entr" presetSubtype="0" fill="hold" grpId="0" nodeType="clickEffect">
+                                  <p:stCondLst>
+                                    <p:cond delay="0"/>
+                                  </p:stCondLst>
+                                  <p:childTnLst>
+                                    <p:set>
+                                      <p:cBhvr>
+                                        <p:cTn id="16" dur="1" fill="hold">
+                                          <p:stCondLst>
+                                            <p:cond delay="0"/>
+                                          </p:stCondLst>
+                                        </p:cTn>
+                                        <p:tgtEl>
+                                          <p:spTgt spid="3">
+                                            <p:txEl>
+                                              <p:pRg st="5" end="5"/>
+                                            </p:txEl>
+                                          </p:spTgt>
+                                        </p:tgtEl>
+                                        <p:attrNameLst>
+                                          <p:attrName>style.visibility</p:attrName>
+                                        </p:attrNameLst>
+                                      </p:cBhvr>
+                                      <p:to>
+                                        <p:strVal val="visible"/>
+                                      </p:to>
+                                    </p:set>
+                                  </p:childTnLst>
+                                </p:cTn>
+                              </p:par>
+                              <p:par>
+                                <p:cTn id="17" presetID="1" presetClass="entr" presetSubtype="0" fill="hold" grpId="0" nodeType="withEffect">
+                                  <p:stCondLst>
+                                    <p:cond delay="0"/>
+                                  </p:stCondLst>
+                                  <p:childTnLst>
+                                    <p:set>
+                                      <p:cBhvr>
+                                        <p:cTn id="18" dur="1" fill="hold">
+                                          <p:stCondLst>
+                                            <p:cond delay="0"/>
+                                          </p:stCondLst>
+                                        </p:cTn>
+                                        <p:tgtEl>
+                                          <p:spTgt spid="3">
+                                            <p:txEl>
+                                              <p:pRg st="6" end="6"/>
+                                            </p:txEl>
+                                          </p:spTgt>
+                                        </p:tgtEl>
+                                        <p:attrNameLst>
+                                          <p:attrName>style.visibility</p:attrName>
+                                        </p:attrNameLst>
+                                      </p:cBhvr>
+                                      <p:to>
+                                        <p:strVal val="visible"/>
+                                      </p:to>
+                                    </p:set>
+                                  </p:childTnLst>
+                                </p:cTn>
+                              </p:par>
+                            </p:childTnLst>
+                          </p:cTn>
+                        </p:par>
+                      </p:childTnLst>
+                    </p:cTn>
+                  </p:par>
+                  <p:par>
+                    <p:cTn id="19" fill="hold">
+                      <p:stCondLst>
+                        <p:cond delay="indefinite"/>
+                      </p:stCondLst>
+                      <p:childTnLst>
+                        <p:par>
+                          <p:cTn id="20" fill="hold">
+                            <p:stCondLst>
+                              <p:cond delay="0"/>
+                            </p:stCondLst>
+                            <p:childTnLst>
+                              <p:par>
+                                <p:cTn id="21" presetID="1" presetClass="entr" presetSubtype="0" fill="hold" grpId="0" nodeType="clickEffect">
+                                  <p:stCondLst>
+                                    <p:cond delay="0"/>
+                                  </p:stCondLst>
+                                  <p:childTnLst>
+                                    <p:set>
+                                      <p:cBhvr>
+                                        <p:cTn id="22" dur="1" fill="hold">
+                                          <p:stCondLst>
+                                            <p:cond delay="0"/>
+                                          </p:stCondLst>
+                                        </p:cTn>
+                                        <p:tgtEl>
+                                          <p:spTgt spid="3">
+                                            <p:txEl>
+                                              <p:pRg st="8" end="8"/>
+                                            </p:txEl>
+                                          </p:spTgt>
+                                        </p:tgtEl>
+                                        <p:attrNameLst>
+                                          <p:attrName>style.visibility</p:attrName>
+                                        </p:attrNameLst>
+                                      </p:cBhvr>
+                                      <p:to>
+                                        <p:strVal val="visible"/>
+                                      </p:to>
+                                    </p:set>
+                                  </p:childTnLst>
+                                </p:cTn>
+                              </p:par>
+                              <p:par>
+                                <p:cTn id="23" presetID="1" presetClass="entr" presetSubtype="0" fill="hold" grpId="0" nodeType="withEffect">
+                                  <p:stCondLst>
+                                    <p:cond delay="0"/>
+                                  </p:stCondLst>
+                                  <p:childTnLst>
+                                    <p:set>
+                                      <p:cBhvr>
+                                        <p:cTn id="24" dur="1" fill="hold">
+                                          <p:stCondLst>
+                                            <p:cond delay="0"/>
+                                          </p:stCondLst>
+                                        </p:cTn>
+                                        <p:tgtEl>
+                                          <p:spTgt spid="3">
+                                            <p:txEl>
+                                              <p:pRg st="9" end="9"/>
+                                            </p:txEl>
+                                          </p:spTgt>
+                                        </p:tgtEl>
+                                        <p:attrNameLst>
+                                          <p:attrName>style.visibility</p:attrName>
+                                        </p:attrNameLst>
+                                      </p:cBhvr>
+                                      <p:to>
+                                        <p:strVal val="visible"/>
+                                      </p:to>
+                                    </p:set>
+                                  </p:childTnLst>
+                                </p:cTn>
+                              </p:par>
+                            </p:childTnLst>
+                          </p:cTn>
+                        </p:par>
+                      </p:childTnLst>
+                    </p:cTn>
+                  </p:par>
+                </p:childTnLst>
+              </p:cTn>
+              <p:prevCondLst>
+                <p:cond evt="onPrev" delay="0">
+                  <p:tgtEl>
+                    <p:sldTgt/>
+                  </p:tgtEl>
+                </p:cond>
+              </p:prevCondLst>
+              <p:nextCondLst>
+                <p:cond evt="onNext" delay="0">
+                  <p:tgtEl>
+                    <p:sldTgt/>
+                  </p:tgtEl>
+                </p:cond>
+              </p:nextCondLst>
+            </p:seq>
+          </p:childTnLst>
+        </p:cTn>
+      </p:par>
+    </p:tnLst>
+    <p:bldLst>
+      <p:bldP spid="3" grpId="0" build="p"/>
+    </p:bldLst>
+  </p:timing>
 </p:sld>
 </file>
 
@@ -5795,6 +7563,291 @@
   <p:clrMapOvr>
     <a:masterClrMapping/>
   </p:clrMapOvr>
+  <mc:AlternateContent xmlns:mc="http://schemas.openxmlformats.org/markup-compatibility/2006">
+    <mc:Choice xmlns:p14="http://schemas.microsoft.com/office/powerpoint/2010/main" Requires="p14">
+      <p:transition spd="slow" p14:dur="1300">
+        <p14:pan dir="u"/>
+      </p:transition>
+    </mc:Choice>
+    <mc:Fallback>
+      <p:transition spd="slow">
+        <p:fade/>
+      </p:transition>
+    </mc:Fallback>
+  </mc:AlternateContent>
+  <p:timing>
+    <p:tnLst>
+      <p:par>
+        <p:cTn id="1" dur="indefinite" restart="never" nodeType="tmRoot">
+          <p:childTnLst>
+            <p:seq concurrent="1" nextAc="seek">
+              <p:cTn id="2" dur="indefinite" nodeType="mainSeq">
+                <p:childTnLst>
+                  <p:par>
+                    <p:cTn id="3" fill="hold">
+                      <p:stCondLst>
+                        <p:cond delay="indefinite"/>
+                      </p:stCondLst>
+                      <p:childTnLst>
+                        <p:par>
+                          <p:cTn id="4" fill="hold">
+                            <p:stCondLst>
+                              <p:cond delay="0"/>
+                            </p:stCondLst>
+                            <p:childTnLst>
+                              <p:par>
+                                <p:cTn id="5" presetID="1" presetClass="entr" presetSubtype="0" fill="hold" grpId="0" nodeType="clickEffect">
+                                  <p:stCondLst>
+                                    <p:cond delay="0"/>
+                                  </p:stCondLst>
+                                  <p:childTnLst>
+                                    <p:set>
+                                      <p:cBhvr>
+                                        <p:cTn id="6" dur="1" fill="hold">
+                                          <p:stCondLst>
+                                            <p:cond delay="0"/>
+                                          </p:stCondLst>
+                                        </p:cTn>
+                                        <p:tgtEl>
+                                          <p:spTgt spid="3">
+                                            <p:txEl>
+                                              <p:pRg st="1" end="1"/>
+                                            </p:txEl>
+                                          </p:spTgt>
+                                        </p:tgtEl>
+                                        <p:attrNameLst>
+                                          <p:attrName>style.visibility</p:attrName>
+                                        </p:attrNameLst>
+                                      </p:cBhvr>
+                                      <p:to>
+                                        <p:strVal val="visible"/>
+                                      </p:to>
+                                    </p:set>
+                                  </p:childTnLst>
+                                </p:cTn>
+                              </p:par>
+                              <p:par>
+                                <p:cTn id="7" presetID="1" presetClass="entr" presetSubtype="0" fill="hold" grpId="0" nodeType="withEffect">
+                                  <p:stCondLst>
+                                    <p:cond delay="0"/>
+                                  </p:stCondLst>
+                                  <p:childTnLst>
+                                    <p:set>
+                                      <p:cBhvr>
+                                        <p:cTn id="8" dur="1" fill="hold">
+                                          <p:stCondLst>
+                                            <p:cond delay="0"/>
+                                          </p:stCondLst>
+                                        </p:cTn>
+                                        <p:tgtEl>
+                                          <p:spTgt spid="3">
+                                            <p:txEl>
+                                              <p:pRg st="2" end="2"/>
+                                            </p:txEl>
+                                          </p:spTgt>
+                                        </p:tgtEl>
+                                        <p:attrNameLst>
+                                          <p:attrName>style.visibility</p:attrName>
+                                        </p:attrNameLst>
+                                      </p:cBhvr>
+                                      <p:to>
+                                        <p:strVal val="visible"/>
+                                      </p:to>
+                                    </p:set>
+                                  </p:childTnLst>
+                                </p:cTn>
+                              </p:par>
+                              <p:par>
+                                <p:cTn id="9" presetID="1" presetClass="entr" presetSubtype="0" fill="hold" grpId="0" nodeType="withEffect">
+                                  <p:stCondLst>
+                                    <p:cond delay="0"/>
+                                  </p:stCondLst>
+                                  <p:childTnLst>
+                                    <p:set>
+                                      <p:cBhvr>
+                                        <p:cTn id="10" dur="1" fill="hold">
+                                          <p:stCondLst>
+                                            <p:cond delay="0"/>
+                                          </p:stCondLst>
+                                        </p:cTn>
+                                        <p:tgtEl>
+                                          <p:spTgt spid="3">
+                                            <p:txEl>
+                                              <p:pRg st="3" end="3"/>
+                                            </p:txEl>
+                                          </p:spTgt>
+                                        </p:tgtEl>
+                                        <p:attrNameLst>
+                                          <p:attrName>style.visibility</p:attrName>
+                                        </p:attrNameLst>
+                                      </p:cBhvr>
+                                      <p:to>
+                                        <p:strVal val="visible"/>
+                                      </p:to>
+                                    </p:set>
+                                  </p:childTnLst>
+                                </p:cTn>
+                              </p:par>
+                            </p:childTnLst>
+                          </p:cTn>
+                        </p:par>
+                      </p:childTnLst>
+                    </p:cTn>
+                  </p:par>
+                  <p:par>
+                    <p:cTn id="11" fill="hold">
+                      <p:stCondLst>
+                        <p:cond delay="indefinite"/>
+                      </p:stCondLst>
+                      <p:childTnLst>
+                        <p:par>
+                          <p:cTn id="12" fill="hold">
+                            <p:stCondLst>
+                              <p:cond delay="0"/>
+                            </p:stCondLst>
+                            <p:childTnLst>
+                              <p:par>
+                                <p:cTn id="13" presetID="1" presetClass="entr" presetSubtype="0" fill="hold" grpId="0" nodeType="clickEffect">
+                                  <p:stCondLst>
+                                    <p:cond delay="0"/>
+                                  </p:stCondLst>
+                                  <p:childTnLst>
+                                    <p:set>
+                                      <p:cBhvr>
+                                        <p:cTn id="14" dur="1" fill="hold">
+                                          <p:stCondLst>
+                                            <p:cond delay="0"/>
+                                          </p:stCondLst>
+                                        </p:cTn>
+                                        <p:tgtEl>
+                                          <p:spTgt spid="3">
+                                            <p:txEl>
+                                              <p:pRg st="5" end="5"/>
+                                            </p:txEl>
+                                          </p:spTgt>
+                                        </p:tgtEl>
+                                        <p:attrNameLst>
+                                          <p:attrName>style.visibility</p:attrName>
+                                        </p:attrNameLst>
+                                      </p:cBhvr>
+                                      <p:to>
+                                        <p:strVal val="visible"/>
+                                      </p:to>
+                                    </p:set>
+                                  </p:childTnLst>
+                                </p:cTn>
+                              </p:par>
+                              <p:par>
+                                <p:cTn id="15" presetID="1" presetClass="entr" presetSubtype="0" fill="hold" grpId="0" nodeType="withEffect">
+                                  <p:stCondLst>
+                                    <p:cond delay="0"/>
+                                  </p:stCondLst>
+                                  <p:childTnLst>
+                                    <p:set>
+                                      <p:cBhvr>
+                                        <p:cTn id="16" dur="1" fill="hold">
+                                          <p:stCondLst>
+                                            <p:cond delay="0"/>
+                                          </p:stCondLst>
+                                        </p:cTn>
+                                        <p:tgtEl>
+                                          <p:spTgt spid="3">
+                                            <p:txEl>
+                                              <p:pRg st="6" end="6"/>
+                                            </p:txEl>
+                                          </p:spTgt>
+                                        </p:tgtEl>
+                                        <p:attrNameLst>
+                                          <p:attrName>style.visibility</p:attrName>
+                                        </p:attrNameLst>
+                                      </p:cBhvr>
+                                      <p:to>
+                                        <p:strVal val="visible"/>
+                                      </p:to>
+                                    </p:set>
+                                  </p:childTnLst>
+                                </p:cTn>
+                              </p:par>
+                            </p:childTnLst>
+                          </p:cTn>
+                        </p:par>
+                      </p:childTnLst>
+                    </p:cTn>
+                  </p:par>
+                  <p:par>
+                    <p:cTn id="17" fill="hold">
+                      <p:stCondLst>
+                        <p:cond delay="indefinite"/>
+                      </p:stCondLst>
+                      <p:childTnLst>
+                        <p:par>
+                          <p:cTn id="18" fill="hold">
+                            <p:stCondLst>
+                              <p:cond delay="0"/>
+                            </p:stCondLst>
+                            <p:childTnLst>
+                              <p:par>
+                                <p:cTn id="19" presetID="1" presetClass="entr" presetSubtype="0" fill="hold" grpId="0" nodeType="clickEffect">
+                                  <p:stCondLst>
+                                    <p:cond delay="0"/>
+                                  </p:stCondLst>
+                                  <p:childTnLst>
+                                    <p:set>
+                                      <p:cBhvr>
+                                        <p:cTn id="20" dur="1" fill="hold">
+                                          <p:stCondLst>
+                                            <p:cond delay="0"/>
+                                          </p:stCondLst>
+                                        </p:cTn>
+                                        <p:tgtEl>
+                                          <p:spTgt spid="3">
+                                            <p:txEl>
+                                              <p:pRg st="8" end="8"/>
+                                            </p:txEl>
+                                          </p:spTgt>
+                                        </p:tgtEl>
+                                        <p:attrNameLst>
+                                          <p:attrName>style.visibility</p:attrName>
+                                        </p:attrNameLst>
+                                      </p:cBhvr>
+                                      <p:to>
+                                        <p:strVal val="visible"/>
+                                      </p:to>
+                                    </p:set>
+                                  </p:childTnLst>
+                                </p:cTn>
+                              </p:par>
+                            </p:childTnLst>
+                          </p:cTn>
+                        </p:par>
+                      </p:childTnLst>
+                    </p:cTn>
+                  </p:par>
+                </p:childTnLst>
+              </p:cTn>
+              <p:prevCondLst>
+                <p:cond evt="onPrev" delay="0">
+                  <p:tgtEl>
+                    <p:sldTgt/>
+                  </p:tgtEl>
+                </p:cond>
+              </p:prevCondLst>
+              <p:nextCondLst>
+                <p:cond evt="onNext" delay="0">
+                  <p:tgtEl>
+                    <p:sldTgt/>
+                  </p:tgtEl>
+                </p:cond>
+              </p:nextCondLst>
+            </p:seq>
+          </p:childTnLst>
+        </p:cTn>
+      </p:par>
+    </p:tnLst>
+    <p:bldLst>
+      <p:bldP spid="3" grpId="0" build="p"/>
+    </p:bldLst>
+  </p:timing>
 </p:sld>
 </file>
 
@@ -5939,7 +7992,7 @@
             <a:pPr algn="ctr"/>
             <a:r>
               <a:rPr lang="en-US" sz="3600" dirty="0"/>
-              <a:t>Step to do</a:t>
+              <a:t>Steps to do</a:t>
             </a:r>
           </a:p>
         </p:txBody>
@@ -5954,6 +8007,198 @@
   <p:clrMapOvr>
     <a:masterClrMapping/>
   </p:clrMapOvr>
+  <mc:AlternateContent xmlns:mc="http://schemas.openxmlformats.org/markup-compatibility/2006">
+    <mc:Choice xmlns:p14="http://schemas.microsoft.com/office/powerpoint/2010/main" Requires="p14">
+      <p:transition spd="slow" p14:dur="1300">
+        <p14:pan dir="u"/>
+      </p:transition>
+    </mc:Choice>
+    <mc:Fallback>
+      <p:transition spd="slow">
+        <p:fade/>
+      </p:transition>
+    </mc:Fallback>
+  </mc:AlternateContent>
+  <p:timing>
+    <p:tnLst>
+      <p:par>
+        <p:cTn id="1" dur="indefinite" restart="never" nodeType="tmRoot">
+          <p:childTnLst>
+            <p:seq concurrent="1" nextAc="seek">
+              <p:cTn id="2" dur="indefinite" nodeType="mainSeq">
+                <p:childTnLst>
+                  <p:par>
+                    <p:cTn id="3" fill="hold">
+                      <p:stCondLst>
+                        <p:cond delay="indefinite"/>
+                      </p:stCondLst>
+                      <p:childTnLst>
+                        <p:par>
+                          <p:cTn id="4" fill="hold">
+                            <p:stCondLst>
+                              <p:cond delay="0"/>
+                            </p:stCondLst>
+                            <p:childTnLst>
+                              <p:par>
+                                <p:cTn id="5" presetID="1" presetClass="entr" presetSubtype="0" fill="hold" grpId="0" nodeType="clickEffect">
+                                  <p:stCondLst>
+                                    <p:cond delay="0"/>
+                                  </p:stCondLst>
+                                  <p:childTnLst>
+                                    <p:set>
+                                      <p:cBhvr>
+                                        <p:cTn id="6" dur="1" fill="hold">
+                                          <p:stCondLst>
+                                            <p:cond delay="0"/>
+                                          </p:stCondLst>
+                                        </p:cTn>
+                                        <p:tgtEl>
+                                          <p:spTgt spid="3">
+                                            <p:txEl>
+                                              <p:pRg st="0" end="0"/>
+                                            </p:txEl>
+                                          </p:spTgt>
+                                        </p:tgtEl>
+                                        <p:attrNameLst>
+                                          <p:attrName>style.visibility</p:attrName>
+                                        </p:attrNameLst>
+                                      </p:cBhvr>
+                                      <p:to>
+                                        <p:strVal val="visible"/>
+                                      </p:to>
+                                    </p:set>
+                                  </p:childTnLst>
+                                </p:cTn>
+                              </p:par>
+                            </p:childTnLst>
+                          </p:cTn>
+                        </p:par>
+                      </p:childTnLst>
+                    </p:cTn>
+                  </p:par>
+                  <p:par>
+                    <p:cTn id="7" fill="hold">
+                      <p:stCondLst>
+                        <p:cond delay="indefinite"/>
+                      </p:stCondLst>
+                      <p:childTnLst>
+                        <p:par>
+                          <p:cTn id="8" fill="hold">
+                            <p:stCondLst>
+                              <p:cond delay="0"/>
+                            </p:stCondLst>
+                            <p:childTnLst>
+                              <p:par>
+                                <p:cTn id="9" presetID="1" presetClass="entr" presetSubtype="0" fill="hold" grpId="0" nodeType="clickEffect">
+                                  <p:stCondLst>
+                                    <p:cond delay="0"/>
+                                  </p:stCondLst>
+                                  <p:childTnLst>
+                                    <p:set>
+                                      <p:cBhvr>
+                                        <p:cTn id="10" dur="1" fill="hold">
+                                          <p:stCondLst>
+                                            <p:cond delay="0"/>
+                                          </p:stCondLst>
+                                        </p:cTn>
+                                        <p:tgtEl>
+                                          <p:spTgt spid="3">
+                                            <p:txEl>
+                                              <p:pRg st="3" end="3"/>
+                                            </p:txEl>
+                                          </p:spTgt>
+                                        </p:tgtEl>
+                                        <p:attrNameLst>
+                                          <p:attrName>style.visibility</p:attrName>
+                                        </p:attrNameLst>
+                                      </p:cBhvr>
+                                      <p:to>
+                                        <p:strVal val="visible"/>
+                                      </p:to>
+                                    </p:set>
+                                  </p:childTnLst>
+                                </p:cTn>
+                              </p:par>
+                            </p:childTnLst>
+                          </p:cTn>
+                        </p:par>
+                      </p:childTnLst>
+                    </p:cTn>
+                  </p:par>
+                  <p:par>
+                    <p:cTn id="11" fill="hold">
+                      <p:stCondLst>
+                        <p:cond delay="indefinite"/>
+                      </p:stCondLst>
+                      <p:childTnLst>
+                        <p:par>
+                          <p:cTn id="12" fill="hold">
+                            <p:stCondLst>
+                              <p:cond delay="0"/>
+                            </p:stCondLst>
+                            <p:childTnLst>
+                              <p:par>
+                                <p:cTn id="13" presetID="1" presetClass="entr" presetSubtype="0" fill="hold" grpId="0" nodeType="clickEffect">
+                                  <p:stCondLst>
+                                    <p:cond delay="0"/>
+                                  </p:stCondLst>
+                                  <p:childTnLst>
+                                    <p:set>
+                                      <p:cBhvr>
+                                        <p:cTn id="14" dur="1" fill="hold">
+                                          <p:stCondLst>
+                                            <p:cond delay="0"/>
+                                          </p:stCondLst>
+                                        </p:cTn>
+                                        <p:tgtEl>
+                                          <p:spTgt spid="3">
+                                            <p:txEl>
+                                              <p:pRg st="6" end="6"/>
+                                            </p:txEl>
+                                          </p:spTgt>
+                                        </p:tgtEl>
+                                        <p:attrNameLst>
+                                          <p:attrName>style.visibility</p:attrName>
+                                        </p:attrNameLst>
+                                      </p:cBhvr>
+                                      <p:to>
+                                        <p:strVal val="visible"/>
+                                      </p:to>
+                                    </p:set>
+                                  </p:childTnLst>
+                                </p:cTn>
+                              </p:par>
+                            </p:childTnLst>
+                          </p:cTn>
+                        </p:par>
+                      </p:childTnLst>
+                    </p:cTn>
+                  </p:par>
+                </p:childTnLst>
+              </p:cTn>
+              <p:prevCondLst>
+                <p:cond evt="onPrev" delay="0">
+                  <p:tgtEl>
+                    <p:sldTgt/>
+                  </p:tgtEl>
+                </p:cond>
+              </p:prevCondLst>
+              <p:nextCondLst>
+                <p:cond evt="onNext" delay="0">
+                  <p:tgtEl>
+                    <p:sldTgt/>
+                  </p:tgtEl>
+                </p:cond>
+              </p:nextCondLst>
+            </p:seq>
+          </p:childTnLst>
+        </p:cTn>
+      </p:par>
+    </p:tnLst>
+    <p:bldLst>
+      <p:bldP spid="3" grpId="0" build="p"/>
+    </p:bldLst>
+  </p:timing>
 </p:sld>
 </file>
 
@@ -6049,6 +8294,149 @@
   <p:clrMapOvr>
     <a:masterClrMapping/>
   </p:clrMapOvr>
+  <mc:AlternateContent xmlns:mc="http://schemas.openxmlformats.org/markup-compatibility/2006">
+    <mc:Choice xmlns:p14="http://schemas.microsoft.com/office/powerpoint/2010/main" Requires="p14">
+      <p:transition spd="slow" p14:dur="1300">
+        <p14:pan dir="u"/>
+      </p:transition>
+    </mc:Choice>
+    <mc:Fallback>
+      <p:transition spd="slow">
+        <p:fade/>
+      </p:transition>
+    </mc:Fallback>
+  </mc:AlternateContent>
+  <p:timing>
+    <p:tnLst>
+      <p:par>
+        <p:cTn id="1" dur="indefinite" restart="never" nodeType="tmRoot">
+          <p:childTnLst>
+            <p:seq concurrent="1" nextAc="seek">
+              <p:cTn id="2" dur="indefinite" nodeType="mainSeq">
+                <p:childTnLst>
+                  <p:par>
+                    <p:cTn id="3" fill="hold">
+                      <p:stCondLst>
+                        <p:cond delay="indefinite"/>
+                      </p:stCondLst>
+                      <p:childTnLst>
+                        <p:par>
+                          <p:cTn id="4" fill="hold">
+                            <p:stCondLst>
+                              <p:cond delay="0"/>
+                            </p:stCondLst>
+                            <p:childTnLst>
+                              <p:par>
+                                <p:cTn id="5" presetID="1" presetClass="entr" presetSubtype="0" fill="hold" grpId="0" nodeType="clickEffect">
+                                  <p:stCondLst>
+                                    <p:cond delay="0"/>
+                                  </p:stCondLst>
+                                  <p:childTnLst>
+                                    <p:set>
+                                      <p:cBhvr>
+                                        <p:cTn id="6" dur="1" fill="hold">
+                                          <p:stCondLst>
+                                            <p:cond delay="0"/>
+                                          </p:stCondLst>
+                                        </p:cTn>
+                                        <p:tgtEl>
+                                          <p:spTgt spid="3">
+                                            <p:txEl>
+                                              <p:pRg st="0" end="0"/>
+                                            </p:txEl>
+                                          </p:spTgt>
+                                        </p:tgtEl>
+                                        <p:attrNameLst>
+                                          <p:attrName>style.visibility</p:attrName>
+                                        </p:attrNameLst>
+                                      </p:cBhvr>
+                                      <p:to>
+                                        <p:strVal val="visible"/>
+                                      </p:to>
+                                    </p:set>
+                                  </p:childTnLst>
+                                </p:cTn>
+                              </p:par>
+                            </p:childTnLst>
+                          </p:cTn>
+                        </p:par>
+                      </p:childTnLst>
+                    </p:cTn>
+                  </p:par>
+                  <p:par>
+                    <p:cTn id="7" fill="hold">
+                      <p:stCondLst>
+                        <p:cond delay="indefinite"/>
+                      </p:stCondLst>
+                      <p:childTnLst>
+                        <p:par>
+                          <p:cTn id="8" fill="hold">
+                            <p:stCondLst>
+                              <p:cond delay="0"/>
+                            </p:stCondLst>
+                            <p:childTnLst>
+                              <p:par>
+                                <p:cTn id="9" presetID="1" presetClass="entr" presetSubtype="0" fill="hold" grpId="0" nodeType="clickEffect">
+                                  <p:stCondLst>
+                                    <p:cond delay="0"/>
+                                  </p:stCondLst>
+                                  <p:childTnLst>
+                                    <p:set>
+                                      <p:cBhvr>
+                                        <p:cTn id="10" dur="1" fill="hold">
+                                          <p:stCondLst>
+                                            <p:cond delay="0"/>
+                                          </p:stCondLst>
+                                        </p:cTn>
+                                        <p:tgtEl>
+                                          <p:spTgt spid="3">
+                                            <p:txEl>
+                                              <p:pRg st="2" end="2"/>
+                                            </p:txEl>
+                                          </p:spTgt>
+                                        </p:tgtEl>
+                                        <p:attrNameLst>
+                                          <p:attrName>style.visibility</p:attrName>
+                                        </p:attrNameLst>
+                                      </p:cBhvr>
+                                      <p:to>
+                                        <p:strVal val="visible"/>
+                                      </p:to>
+                                    </p:set>
+                                  </p:childTnLst>
+                                </p:cTn>
+                              </p:par>
+                            </p:childTnLst>
+                          </p:cTn>
+                        </p:par>
+                      </p:childTnLst>
+                    </p:cTn>
+                  </p:par>
+                </p:childTnLst>
+              </p:cTn>
+              <p:prevCondLst>
+                <p:cond evt="onPrev" delay="0">
+                  <p:tgtEl>
+                    <p:sldTgt/>
+                  </p:tgtEl>
+                </p:cond>
+              </p:prevCondLst>
+              <p:nextCondLst>
+                <p:cond evt="onNext" delay="0">
+                  <p:tgtEl>
+                    <p:sldTgt/>
+                  </p:tgtEl>
+                </p:cond>
+              </p:nextCondLst>
+            </p:seq>
+          </p:childTnLst>
+        </p:cTn>
+      </p:par>
+    </p:tnLst>
+    <p:bldLst>
+      <p:bldP spid="3" grpId="0" build="p"/>
+    </p:bldLst>
+  </p:timing>
 </p:sld>
 </file>
 
@@ -6432,6 +8820,305 @@
   <p:clrMapOvr>
     <a:masterClrMapping/>
   </p:clrMapOvr>
+  <mc:AlternateContent xmlns:mc="http://schemas.openxmlformats.org/markup-compatibility/2006">
+    <mc:Choice xmlns:p14="http://schemas.microsoft.com/office/powerpoint/2010/main" Requires="p14">
+      <p:transition spd="slow" p14:dur="1300">
+        <p14:pan dir="u"/>
+      </p:transition>
+    </mc:Choice>
+    <mc:Fallback>
+      <p:transition spd="slow">
+        <p:fade/>
+      </p:transition>
+    </mc:Fallback>
+  </mc:AlternateContent>
+  <p:timing>
+    <p:tnLst>
+      <p:par>
+        <p:cTn id="1" dur="indefinite" restart="never" nodeType="tmRoot">
+          <p:childTnLst>
+            <p:seq concurrent="1" nextAc="seek">
+              <p:cTn id="2" dur="indefinite" nodeType="mainSeq">
+                <p:childTnLst>
+                  <p:par>
+                    <p:cTn id="3" fill="hold">
+                      <p:stCondLst>
+                        <p:cond delay="indefinite"/>
+                      </p:stCondLst>
+                      <p:childTnLst>
+                        <p:par>
+                          <p:cTn id="4" fill="hold">
+                            <p:stCondLst>
+                              <p:cond delay="0"/>
+                            </p:stCondLst>
+                            <p:childTnLst>
+                              <p:par>
+                                <p:cTn id="5" presetID="1" presetClass="entr" presetSubtype="0" fill="hold" grpId="0" nodeType="clickEffect">
+                                  <p:stCondLst>
+                                    <p:cond delay="0"/>
+                                  </p:stCondLst>
+                                  <p:childTnLst>
+                                    <p:set>
+                                      <p:cBhvr>
+                                        <p:cTn id="6" dur="1" fill="hold">
+                                          <p:stCondLst>
+                                            <p:cond delay="0"/>
+                                          </p:stCondLst>
+                                        </p:cTn>
+                                        <p:tgtEl>
+                                          <p:spTgt spid="3">
+                                            <p:txEl>
+                                              <p:pRg st="0" end="0"/>
+                                            </p:txEl>
+                                          </p:spTgt>
+                                        </p:tgtEl>
+                                        <p:attrNameLst>
+                                          <p:attrName>style.visibility</p:attrName>
+                                        </p:attrNameLst>
+                                      </p:cBhvr>
+                                      <p:to>
+                                        <p:strVal val="visible"/>
+                                      </p:to>
+                                    </p:set>
+                                  </p:childTnLst>
+                                </p:cTn>
+                              </p:par>
+                            </p:childTnLst>
+                          </p:cTn>
+                        </p:par>
+                      </p:childTnLst>
+                    </p:cTn>
+                  </p:par>
+                  <p:par>
+                    <p:cTn id="7" fill="hold">
+                      <p:stCondLst>
+                        <p:cond delay="indefinite"/>
+                      </p:stCondLst>
+                      <p:childTnLst>
+                        <p:par>
+                          <p:cTn id="8" fill="hold">
+                            <p:stCondLst>
+                              <p:cond delay="0"/>
+                            </p:stCondLst>
+                            <p:childTnLst>
+                              <p:par>
+                                <p:cTn id="9" presetID="1" presetClass="entr" presetSubtype="0" fill="hold" grpId="0" nodeType="clickEffect">
+                                  <p:stCondLst>
+                                    <p:cond delay="0"/>
+                                  </p:stCondLst>
+                                  <p:childTnLst>
+                                    <p:set>
+                                      <p:cBhvr>
+                                        <p:cTn id="10" dur="1" fill="hold">
+                                          <p:stCondLst>
+                                            <p:cond delay="0"/>
+                                          </p:stCondLst>
+                                        </p:cTn>
+                                        <p:tgtEl>
+                                          <p:spTgt spid="3">
+                                            <p:txEl>
+                                              <p:pRg st="2" end="2"/>
+                                            </p:txEl>
+                                          </p:spTgt>
+                                        </p:tgtEl>
+                                        <p:attrNameLst>
+                                          <p:attrName>style.visibility</p:attrName>
+                                        </p:attrNameLst>
+                                      </p:cBhvr>
+                                      <p:to>
+                                        <p:strVal val="visible"/>
+                                      </p:to>
+                                    </p:set>
+                                  </p:childTnLst>
+                                </p:cTn>
+                              </p:par>
+                            </p:childTnLst>
+                          </p:cTn>
+                        </p:par>
+                      </p:childTnLst>
+                    </p:cTn>
+                  </p:par>
+                  <p:par>
+                    <p:cTn id="11" fill="hold">
+                      <p:stCondLst>
+                        <p:cond delay="indefinite"/>
+                      </p:stCondLst>
+                      <p:childTnLst>
+                        <p:par>
+                          <p:cTn id="12" fill="hold">
+                            <p:stCondLst>
+                              <p:cond delay="0"/>
+                            </p:stCondLst>
+                            <p:childTnLst>
+                              <p:par>
+                                <p:cTn id="13" presetID="1" presetClass="entr" presetSubtype="0" fill="hold" grpId="0" nodeType="clickEffect">
+                                  <p:stCondLst>
+                                    <p:cond delay="0"/>
+                                  </p:stCondLst>
+                                  <p:childTnLst>
+                                    <p:set>
+                                      <p:cBhvr>
+                                        <p:cTn id="14" dur="1" fill="hold">
+                                          <p:stCondLst>
+                                            <p:cond delay="0"/>
+                                          </p:stCondLst>
+                                        </p:cTn>
+                                        <p:tgtEl>
+                                          <p:spTgt spid="5"/>
+                                        </p:tgtEl>
+                                        <p:attrNameLst>
+                                          <p:attrName>style.visibility</p:attrName>
+                                        </p:attrNameLst>
+                                      </p:cBhvr>
+                                      <p:to>
+                                        <p:strVal val="visible"/>
+                                      </p:to>
+                                    </p:set>
+                                  </p:childTnLst>
+                                </p:cTn>
+                              </p:par>
+                              <p:par>
+                                <p:cTn id="15" presetID="1" presetClass="entr" presetSubtype="0" fill="hold" grpId="0" nodeType="withEffect">
+                                  <p:stCondLst>
+                                    <p:cond delay="0"/>
+                                  </p:stCondLst>
+                                  <p:childTnLst>
+                                    <p:set>
+                                      <p:cBhvr>
+                                        <p:cTn id="16" dur="1" fill="hold">
+                                          <p:stCondLst>
+                                            <p:cond delay="0"/>
+                                          </p:stCondLst>
+                                        </p:cTn>
+                                        <p:tgtEl>
+                                          <p:spTgt spid="6"/>
+                                        </p:tgtEl>
+                                        <p:attrNameLst>
+                                          <p:attrName>style.visibility</p:attrName>
+                                        </p:attrNameLst>
+                                      </p:cBhvr>
+                                      <p:to>
+                                        <p:strVal val="visible"/>
+                                      </p:to>
+                                    </p:set>
+                                  </p:childTnLst>
+                                </p:cTn>
+                              </p:par>
+                              <p:par>
+                                <p:cTn id="17" presetID="1" presetClass="entr" presetSubtype="0" fill="hold" grpId="0" nodeType="withEffect">
+                                  <p:stCondLst>
+                                    <p:cond delay="0"/>
+                                  </p:stCondLst>
+                                  <p:childTnLst>
+                                    <p:set>
+                                      <p:cBhvr>
+                                        <p:cTn id="18" dur="1" fill="hold">
+                                          <p:stCondLst>
+                                            <p:cond delay="0"/>
+                                          </p:stCondLst>
+                                        </p:cTn>
+                                        <p:tgtEl>
+                                          <p:spTgt spid="7"/>
+                                        </p:tgtEl>
+                                        <p:attrNameLst>
+                                          <p:attrName>style.visibility</p:attrName>
+                                        </p:attrNameLst>
+                                      </p:cBhvr>
+                                      <p:to>
+                                        <p:strVal val="visible"/>
+                                      </p:to>
+                                    </p:set>
+                                  </p:childTnLst>
+                                </p:cTn>
+                              </p:par>
+                              <p:par>
+                                <p:cTn id="19" presetID="1" presetClass="entr" presetSubtype="0" fill="hold" nodeType="withEffect">
+                                  <p:stCondLst>
+                                    <p:cond delay="0"/>
+                                  </p:stCondLst>
+                                  <p:childTnLst>
+                                    <p:set>
+                                      <p:cBhvr>
+                                        <p:cTn id="20" dur="1" fill="hold">
+                                          <p:stCondLst>
+                                            <p:cond delay="0"/>
+                                          </p:stCondLst>
+                                        </p:cTn>
+                                        <p:tgtEl>
+                                          <p:spTgt spid="9"/>
+                                        </p:tgtEl>
+                                        <p:attrNameLst>
+                                          <p:attrName>style.visibility</p:attrName>
+                                        </p:attrNameLst>
+                                      </p:cBhvr>
+                                      <p:to>
+                                        <p:strVal val="visible"/>
+                                      </p:to>
+                                    </p:set>
+                                  </p:childTnLst>
+                                </p:cTn>
+                              </p:par>
+                              <p:par>
+                                <p:cTn id="21" presetID="1" presetClass="entr" presetSubtype="0" fill="hold" nodeType="withEffect">
+                                  <p:stCondLst>
+                                    <p:cond delay="0"/>
+                                  </p:stCondLst>
+                                  <p:childTnLst>
+                                    <p:set>
+                                      <p:cBhvr>
+                                        <p:cTn id="22" dur="1" fill="hold">
+                                          <p:stCondLst>
+                                            <p:cond delay="0"/>
+                                          </p:stCondLst>
+                                        </p:cTn>
+                                        <p:tgtEl>
+                                          <p:spTgt spid="12"/>
+                                        </p:tgtEl>
+                                        <p:attrNameLst>
+                                          <p:attrName>style.visibility</p:attrName>
+                                        </p:attrNameLst>
+                                      </p:cBhvr>
+                                      <p:to>
+                                        <p:strVal val="visible"/>
+                                      </p:to>
+                                    </p:set>
+                                  </p:childTnLst>
+                                </p:cTn>
+                              </p:par>
+                            </p:childTnLst>
+                          </p:cTn>
+                        </p:par>
+                      </p:childTnLst>
+                    </p:cTn>
+                  </p:par>
+                </p:childTnLst>
+              </p:cTn>
+              <p:prevCondLst>
+                <p:cond evt="onPrev" delay="0">
+                  <p:tgtEl>
+                    <p:sldTgt/>
+                  </p:tgtEl>
+                </p:cond>
+              </p:prevCondLst>
+              <p:nextCondLst>
+                <p:cond evt="onNext" delay="0">
+                  <p:tgtEl>
+                    <p:sldTgt/>
+                  </p:tgtEl>
+                </p:cond>
+              </p:nextCondLst>
+            </p:seq>
+          </p:childTnLst>
+        </p:cTn>
+      </p:par>
+    </p:tnLst>
+    <p:bldLst>
+      <p:bldP spid="3" grpId="0" build="p"/>
+      <p:bldP spid="5" grpId="0" animBg="1"/>
+      <p:bldP spid="6" grpId="0" animBg="1"/>
+      <p:bldP spid="7" grpId="0" animBg="1"/>
+    </p:bldLst>
+  </p:timing>
 </p:sld>
 </file>
 
@@ -6908,6 +9595,409 @@
   <p:clrMapOvr>
     <a:masterClrMapping/>
   </p:clrMapOvr>
+  <mc:AlternateContent xmlns:mc="http://schemas.openxmlformats.org/markup-compatibility/2006">
+    <mc:Choice xmlns:p14="http://schemas.microsoft.com/office/powerpoint/2010/main" Requires="p14">
+      <p:transition spd="slow" p14:dur="1300">
+        <p14:pan dir="u"/>
+      </p:transition>
+    </mc:Choice>
+    <mc:Fallback>
+      <p:transition spd="slow">
+        <p:fade/>
+      </p:transition>
+    </mc:Fallback>
+  </mc:AlternateContent>
+  <p:timing>
+    <p:tnLst>
+      <p:par>
+        <p:cTn id="1" dur="indefinite" restart="never" nodeType="tmRoot">
+          <p:childTnLst>
+            <p:seq concurrent="1" nextAc="seek">
+              <p:cTn id="2" dur="indefinite" nodeType="mainSeq">
+                <p:childTnLst>
+                  <p:par>
+                    <p:cTn id="3" fill="hold">
+                      <p:stCondLst>
+                        <p:cond delay="indefinite"/>
+                      </p:stCondLst>
+                      <p:childTnLst>
+                        <p:par>
+                          <p:cTn id="4" fill="hold">
+                            <p:stCondLst>
+                              <p:cond delay="0"/>
+                            </p:stCondLst>
+                            <p:childTnLst>
+                              <p:par>
+                                <p:cTn id="5" presetID="1" presetClass="entr" presetSubtype="0" fill="hold" grpId="0" nodeType="clickEffect">
+                                  <p:stCondLst>
+                                    <p:cond delay="0"/>
+                                  </p:stCondLst>
+                                  <p:childTnLst>
+                                    <p:set>
+                                      <p:cBhvr>
+                                        <p:cTn id="6" dur="1" fill="hold">
+                                          <p:stCondLst>
+                                            <p:cond delay="0"/>
+                                          </p:stCondLst>
+                                        </p:cTn>
+                                        <p:tgtEl>
+                                          <p:spTgt spid="3">
+                                            <p:txEl>
+                                              <p:pRg st="0" end="0"/>
+                                            </p:txEl>
+                                          </p:spTgt>
+                                        </p:tgtEl>
+                                        <p:attrNameLst>
+                                          <p:attrName>style.visibility</p:attrName>
+                                        </p:attrNameLst>
+                                      </p:cBhvr>
+                                      <p:to>
+                                        <p:strVal val="visible"/>
+                                      </p:to>
+                                    </p:set>
+                                  </p:childTnLst>
+                                </p:cTn>
+                              </p:par>
+                            </p:childTnLst>
+                          </p:cTn>
+                        </p:par>
+                      </p:childTnLst>
+                    </p:cTn>
+                  </p:par>
+                  <p:par>
+                    <p:cTn id="7" fill="hold">
+                      <p:stCondLst>
+                        <p:cond delay="indefinite"/>
+                      </p:stCondLst>
+                      <p:childTnLst>
+                        <p:par>
+                          <p:cTn id="8" fill="hold">
+                            <p:stCondLst>
+                              <p:cond delay="0"/>
+                            </p:stCondLst>
+                            <p:childTnLst>
+                              <p:par>
+                                <p:cTn id="9" presetID="1" presetClass="entr" presetSubtype="0" fill="hold" grpId="0" nodeType="clickEffect">
+                                  <p:stCondLst>
+                                    <p:cond delay="0"/>
+                                  </p:stCondLst>
+                                  <p:childTnLst>
+                                    <p:set>
+                                      <p:cBhvr>
+                                        <p:cTn id="10" dur="1" fill="hold">
+                                          <p:stCondLst>
+                                            <p:cond delay="0"/>
+                                          </p:stCondLst>
+                                        </p:cTn>
+                                        <p:tgtEl>
+                                          <p:spTgt spid="3">
+                                            <p:txEl>
+                                              <p:pRg st="2" end="2"/>
+                                            </p:txEl>
+                                          </p:spTgt>
+                                        </p:tgtEl>
+                                        <p:attrNameLst>
+                                          <p:attrName>style.visibility</p:attrName>
+                                        </p:attrNameLst>
+                                      </p:cBhvr>
+                                      <p:to>
+                                        <p:strVal val="visible"/>
+                                      </p:to>
+                                    </p:set>
+                                  </p:childTnLst>
+                                </p:cTn>
+                              </p:par>
+                            </p:childTnLst>
+                          </p:cTn>
+                        </p:par>
+                      </p:childTnLst>
+                    </p:cTn>
+                  </p:par>
+                  <p:par>
+                    <p:cTn id="11" fill="hold">
+                      <p:stCondLst>
+                        <p:cond delay="indefinite"/>
+                      </p:stCondLst>
+                      <p:childTnLst>
+                        <p:par>
+                          <p:cTn id="12" fill="hold">
+                            <p:stCondLst>
+                              <p:cond delay="0"/>
+                            </p:stCondLst>
+                            <p:childTnLst>
+                              <p:par>
+                                <p:cTn id="13" presetID="1" presetClass="entr" presetSubtype="0" fill="hold" grpId="0" nodeType="clickEffect">
+                                  <p:stCondLst>
+                                    <p:cond delay="0"/>
+                                  </p:stCondLst>
+                                  <p:childTnLst>
+                                    <p:set>
+                                      <p:cBhvr>
+                                        <p:cTn id="14" dur="1" fill="hold">
+                                          <p:stCondLst>
+                                            <p:cond delay="0"/>
+                                          </p:stCondLst>
+                                        </p:cTn>
+                                        <p:tgtEl>
+                                          <p:spTgt spid="3">
+                                            <p:txEl>
+                                              <p:pRg st="4" end="4"/>
+                                            </p:txEl>
+                                          </p:spTgt>
+                                        </p:tgtEl>
+                                        <p:attrNameLst>
+                                          <p:attrName>style.visibility</p:attrName>
+                                        </p:attrNameLst>
+                                      </p:cBhvr>
+                                      <p:to>
+                                        <p:strVal val="visible"/>
+                                      </p:to>
+                                    </p:set>
+                                  </p:childTnLst>
+                                </p:cTn>
+                              </p:par>
+                            </p:childTnLst>
+                          </p:cTn>
+                        </p:par>
+                      </p:childTnLst>
+                    </p:cTn>
+                  </p:par>
+                  <p:par>
+                    <p:cTn id="15" fill="hold">
+                      <p:stCondLst>
+                        <p:cond delay="indefinite"/>
+                      </p:stCondLst>
+                      <p:childTnLst>
+                        <p:par>
+                          <p:cTn id="16" fill="hold">
+                            <p:stCondLst>
+                              <p:cond delay="0"/>
+                            </p:stCondLst>
+                            <p:childTnLst>
+                              <p:par>
+                                <p:cTn id="17" presetID="1" presetClass="entr" presetSubtype="0" fill="hold" grpId="0" nodeType="clickEffect">
+                                  <p:stCondLst>
+                                    <p:cond delay="0"/>
+                                  </p:stCondLst>
+                                  <p:childTnLst>
+                                    <p:set>
+                                      <p:cBhvr>
+                                        <p:cTn id="18" dur="1" fill="hold">
+                                          <p:stCondLst>
+                                            <p:cond delay="0"/>
+                                          </p:stCondLst>
+                                        </p:cTn>
+                                        <p:tgtEl>
+                                          <p:spTgt spid="5"/>
+                                        </p:tgtEl>
+                                        <p:attrNameLst>
+                                          <p:attrName>style.visibility</p:attrName>
+                                        </p:attrNameLst>
+                                      </p:cBhvr>
+                                      <p:to>
+                                        <p:strVal val="visible"/>
+                                      </p:to>
+                                    </p:set>
+                                  </p:childTnLst>
+                                </p:cTn>
+                              </p:par>
+                              <p:par>
+                                <p:cTn id="19" presetID="1" presetClass="entr" presetSubtype="0" fill="hold" grpId="0" nodeType="withEffect">
+                                  <p:stCondLst>
+                                    <p:cond delay="0"/>
+                                  </p:stCondLst>
+                                  <p:childTnLst>
+                                    <p:set>
+                                      <p:cBhvr>
+                                        <p:cTn id="20" dur="1" fill="hold">
+                                          <p:stCondLst>
+                                            <p:cond delay="0"/>
+                                          </p:stCondLst>
+                                        </p:cTn>
+                                        <p:tgtEl>
+                                          <p:spTgt spid="6"/>
+                                        </p:tgtEl>
+                                        <p:attrNameLst>
+                                          <p:attrName>style.visibility</p:attrName>
+                                        </p:attrNameLst>
+                                      </p:cBhvr>
+                                      <p:to>
+                                        <p:strVal val="visible"/>
+                                      </p:to>
+                                    </p:set>
+                                  </p:childTnLst>
+                                </p:cTn>
+                              </p:par>
+                              <p:par>
+                                <p:cTn id="21" presetID="1" presetClass="entr" presetSubtype="0" fill="hold" grpId="0" nodeType="withEffect">
+                                  <p:stCondLst>
+                                    <p:cond delay="0"/>
+                                  </p:stCondLst>
+                                  <p:childTnLst>
+                                    <p:set>
+                                      <p:cBhvr>
+                                        <p:cTn id="22" dur="1" fill="hold">
+                                          <p:stCondLst>
+                                            <p:cond delay="0"/>
+                                          </p:stCondLst>
+                                        </p:cTn>
+                                        <p:tgtEl>
+                                          <p:spTgt spid="7"/>
+                                        </p:tgtEl>
+                                        <p:attrNameLst>
+                                          <p:attrName>style.visibility</p:attrName>
+                                        </p:attrNameLst>
+                                      </p:cBhvr>
+                                      <p:to>
+                                        <p:strVal val="visible"/>
+                                      </p:to>
+                                    </p:set>
+                                  </p:childTnLst>
+                                </p:cTn>
+                              </p:par>
+                              <p:par>
+                                <p:cTn id="23" presetID="1" presetClass="entr" presetSubtype="0" fill="hold" grpId="0" nodeType="withEffect">
+                                  <p:stCondLst>
+                                    <p:cond delay="0"/>
+                                  </p:stCondLst>
+                                  <p:childTnLst>
+                                    <p:set>
+                                      <p:cBhvr>
+                                        <p:cTn id="24" dur="1" fill="hold">
+                                          <p:stCondLst>
+                                            <p:cond delay="0"/>
+                                          </p:stCondLst>
+                                        </p:cTn>
+                                        <p:tgtEl>
+                                          <p:spTgt spid="8"/>
+                                        </p:tgtEl>
+                                        <p:attrNameLst>
+                                          <p:attrName>style.visibility</p:attrName>
+                                        </p:attrNameLst>
+                                      </p:cBhvr>
+                                      <p:to>
+                                        <p:strVal val="visible"/>
+                                      </p:to>
+                                    </p:set>
+                                  </p:childTnLst>
+                                </p:cTn>
+                              </p:par>
+                              <p:par>
+                                <p:cTn id="25" presetID="1" presetClass="entr" presetSubtype="0" fill="hold" nodeType="withEffect">
+                                  <p:stCondLst>
+                                    <p:cond delay="0"/>
+                                  </p:stCondLst>
+                                  <p:childTnLst>
+                                    <p:set>
+                                      <p:cBhvr>
+                                        <p:cTn id="26" dur="1" fill="hold">
+                                          <p:stCondLst>
+                                            <p:cond delay="0"/>
+                                          </p:stCondLst>
+                                        </p:cTn>
+                                        <p:tgtEl>
+                                          <p:spTgt spid="10"/>
+                                        </p:tgtEl>
+                                        <p:attrNameLst>
+                                          <p:attrName>style.visibility</p:attrName>
+                                        </p:attrNameLst>
+                                      </p:cBhvr>
+                                      <p:to>
+                                        <p:strVal val="visible"/>
+                                      </p:to>
+                                    </p:set>
+                                  </p:childTnLst>
+                                </p:cTn>
+                              </p:par>
+                              <p:par>
+                                <p:cTn id="27" presetID="1" presetClass="entr" presetSubtype="0" fill="hold" nodeType="withEffect">
+                                  <p:stCondLst>
+                                    <p:cond delay="0"/>
+                                  </p:stCondLst>
+                                  <p:childTnLst>
+                                    <p:set>
+                                      <p:cBhvr>
+                                        <p:cTn id="28" dur="1" fill="hold">
+                                          <p:stCondLst>
+                                            <p:cond delay="0"/>
+                                          </p:stCondLst>
+                                        </p:cTn>
+                                        <p:tgtEl>
+                                          <p:spTgt spid="12"/>
+                                        </p:tgtEl>
+                                        <p:attrNameLst>
+                                          <p:attrName>style.visibility</p:attrName>
+                                        </p:attrNameLst>
+                                      </p:cBhvr>
+                                      <p:to>
+                                        <p:strVal val="visible"/>
+                                      </p:to>
+                                    </p:set>
+                                  </p:childTnLst>
+                                </p:cTn>
+                              </p:par>
+                              <p:par>
+                                <p:cTn id="29" presetID="1" presetClass="entr" presetSubtype="0" fill="hold" nodeType="withEffect">
+                                  <p:stCondLst>
+                                    <p:cond delay="0"/>
+                                  </p:stCondLst>
+                                  <p:childTnLst>
+                                    <p:set>
+                                      <p:cBhvr>
+                                        <p:cTn id="30" dur="1" fill="hold">
+                                          <p:stCondLst>
+                                            <p:cond delay="0"/>
+                                          </p:stCondLst>
+                                        </p:cTn>
+                                        <p:tgtEl>
+                                          <p:spTgt spid="14"/>
+                                        </p:tgtEl>
+                                        <p:attrNameLst>
+                                          <p:attrName>style.visibility</p:attrName>
+                                        </p:attrNameLst>
+                                      </p:cBhvr>
+                                      <p:to>
+                                        <p:strVal val="visible"/>
+                                      </p:to>
+                                    </p:set>
+                                  </p:childTnLst>
+                                </p:cTn>
+                              </p:par>
+                            </p:childTnLst>
+                          </p:cTn>
+                        </p:par>
+                      </p:childTnLst>
+                    </p:cTn>
+                  </p:par>
+                </p:childTnLst>
+              </p:cTn>
+              <p:prevCondLst>
+                <p:cond evt="onPrev" delay="0">
+                  <p:tgtEl>
+                    <p:sldTgt/>
+                  </p:tgtEl>
+                </p:cond>
+              </p:prevCondLst>
+              <p:nextCondLst>
+                <p:cond evt="onNext" delay="0">
+                  <p:tgtEl>
+                    <p:sldTgt/>
+                  </p:tgtEl>
+                </p:cond>
+              </p:nextCondLst>
+            </p:seq>
+          </p:childTnLst>
+        </p:cTn>
+      </p:par>
+    </p:tnLst>
+    <p:bldLst>
+      <p:bldP spid="3" grpId="0" build="p"/>
+      <p:bldP spid="5" grpId="0" animBg="1"/>
+      <p:bldP spid="6" grpId="0" animBg="1"/>
+      <p:bldP spid="7" grpId="0" animBg="1"/>
+      <p:bldP spid="8" grpId="0" animBg="1"/>
+    </p:bldLst>
+  </p:timing>
 </p:sld>
 </file>
 
@@ -7488,6 +10578,513 @@
   <p:clrMapOvr>
     <a:masterClrMapping/>
   </p:clrMapOvr>
+  <mc:AlternateContent xmlns:mc="http://schemas.openxmlformats.org/markup-compatibility/2006">
+    <mc:Choice xmlns:p14="http://schemas.microsoft.com/office/powerpoint/2010/main" Requires="p14">
+      <p:transition spd="slow" p14:dur="1300">
+        <p14:pan dir="u"/>
+      </p:transition>
+    </mc:Choice>
+    <mc:Fallback>
+      <p:transition spd="slow">
+        <p:fade/>
+      </p:transition>
+    </mc:Fallback>
+  </mc:AlternateContent>
+  <p:timing>
+    <p:tnLst>
+      <p:par>
+        <p:cTn id="1" dur="indefinite" restart="never" nodeType="tmRoot">
+          <p:childTnLst>
+            <p:seq concurrent="1" nextAc="seek">
+              <p:cTn id="2" dur="indefinite" nodeType="mainSeq">
+                <p:childTnLst>
+                  <p:par>
+                    <p:cTn id="3" fill="hold">
+                      <p:stCondLst>
+                        <p:cond delay="indefinite"/>
+                      </p:stCondLst>
+                      <p:childTnLst>
+                        <p:par>
+                          <p:cTn id="4" fill="hold">
+                            <p:stCondLst>
+                              <p:cond delay="0"/>
+                            </p:stCondLst>
+                            <p:childTnLst>
+                              <p:par>
+                                <p:cTn id="5" presetID="1" presetClass="entr" presetSubtype="0" fill="hold" grpId="0" nodeType="clickEffect">
+                                  <p:stCondLst>
+                                    <p:cond delay="0"/>
+                                  </p:stCondLst>
+                                  <p:childTnLst>
+                                    <p:set>
+                                      <p:cBhvr>
+                                        <p:cTn id="6" dur="1" fill="hold">
+                                          <p:stCondLst>
+                                            <p:cond delay="0"/>
+                                          </p:stCondLst>
+                                        </p:cTn>
+                                        <p:tgtEl>
+                                          <p:spTgt spid="3">
+                                            <p:txEl>
+                                              <p:pRg st="0" end="0"/>
+                                            </p:txEl>
+                                          </p:spTgt>
+                                        </p:tgtEl>
+                                        <p:attrNameLst>
+                                          <p:attrName>style.visibility</p:attrName>
+                                        </p:attrNameLst>
+                                      </p:cBhvr>
+                                      <p:to>
+                                        <p:strVal val="visible"/>
+                                      </p:to>
+                                    </p:set>
+                                  </p:childTnLst>
+                                </p:cTn>
+                              </p:par>
+                            </p:childTnLst>
+                          </p:cTn>
+                        </p:par>
+                      </p:childTnLst>
+                    </p:cTn>
+                  </p:par>
+                  <p:par>
+                    <p:cTn id="7" fill="hold">
+                      <p:stCondLst>
+                        <p:cond delay="indefinite"/>
+                      </p:stCondLst>
+                      <p:childTnLst>
+                        <p:par>
+                          <p:cTn id="8" fill="hold">
+                            <p:stCondLst>
+                              <p:cond delay="0"/>
+                            </p:stCondLst>
+                            <p:childTnLst>
+                              <p:par>
+                                <p:cTn id="9" presetID="1" presetClass="entr" presetSubtype="0" fill="hold" grpId="0" nodeType="clickEffect">
+                                  <p:stCondLst>
+                                    <p:cond delay="0"/>
+                                  </p:stCondLst>
+                                  <p:childTnLst>
+                                    <p:set>
+                                      <p:cBhvr>
+                                        <p:cTn id="10" dur="1" fill="hold">
+                                          <p:stCondLst>
+                                            <p:cond delay="0"/>
+                                          </p:stCondLst>
+                                        </p:cTn>
+                                        <p:tgtEl>
+                                          <p:spTgt spid="3">
+                                            <p:txEl>
+                                              <p:pRg st="2" end="2"/>
+                                            </p:txEl>
+                                          </p:spTgt>
+                                        </p:tgtEl>
+                                        <p:attrNameLst>
+                                          <p:attrName>style.visibility</p:attrName>
+                                        </p:attrNameLst>
+                                      </p:cBhvr>
+                                      <p:to>
+                                        <p:strVal val="visible"/>
+                                      </p:to>
+                                    </p:set>
+                                  </p:childTnLst>
+                                </p:cTn>
+                              </p:par>
+                            </p:childTnLst>
+                          </p:cTn>
+                        </p:par>
+                      </p:childTnLst>
+                    </p:cTn>
+                  </p:par>
+                  <p:par>
+                    <p:cTn id="11" fill="hold">
+                      <p:stCondLst>
+                        <p:cond delay="indefinite"/>
+                      </p:stCondLst>
+                      <p:childTnLst>
+                        <p:par>
+                          <p:cTn id="12" fill="hold">
+                            <p:stCondLst>
+                              <p:cond delay="0"/>
+                            </p:stCondLst>
+                            <p:childTnLst>
+                              <p:par>
+                                <p:cTn id="13" presetID="1" presetClass="entr" presetSubtype="0" fill="hold" grpId="0" nodeType="clickEffect">
+                                  <p:stCondLst>
+                                    <p:cond delay="0"/>
+                                  </p:stCondLst>
+                                  <p:childTnLst>
+                                    <p:set>
+                                      <p:cBhvr>
+                                        <p:cTn id="14" dur="1" fill="hold">
+                                          <p:stCondLst>
+                                            <p:cond delay="0"/>
+                                          </p:stCondLst>
+                                        </p:cTn>
+                                        <p:tgtEl>
+                                          <p:spTgt spid="3">
+                                            <p:txEl>
+                                              <p:pRg st="3" end="3"/>
+                                            </p:txEl>
+                                          </p:spTgt>
+                                        </p:tgtEl>
+                                        <p:attrNameLst>
+                                          <p:attrName>style.visibility</p:attrName>
+                                        </p:attrNameLst>
+                                      </p:cBhvr>
+                                      <p:to>
+                                        <p:strVal val="visible"/>
+                                      </p:to>
+                                    </p:set>
+                                  </p:childTnLst>
+                                </p:cTn>
+                              </p:par>
+                            </p:childTnLst>
+                          </p:cTn>
+                        </p:par>
+                      </p:childTnLst>
+                    </p:cTn>
+                  </p:par>
+                  <p:par>
+                    <p:cTn id="15" fill="hold">
+                      <p:stCondLst>
+                        <p:cond delay="indefinite"/>
+                      </p:stCondLst>
+                      <p:childTnLst>
+                        <p:par>
+                          <p:cTn id="16" fill="hold">
+                            <p:stCondLst>
+                              <p:cond delay="0"/>
+                            </p:stCondLst>
+                            <p:childTnLst>
+                              <p:par>
+                                <p:cTn id="17" presetID="1" presetClass="entr" presetSubtype="0" fill="hold" grpId="0" nodeType="clickEffect">
+                                  <p:stCondLst>
+                                    <p:cond delay="0"/>
+                                  </p:stCondLst>
+                                  <p:childTnLst>
+                                    <p:set>
+                                      <p:cBhvr>
+                                        <p:cTn id="18" dur="1" fill="hold">
+                                          <p:stCondLst>
+                                            <p:cond delay="0"/>
+                                          </p:stCondLst>
+                                        </p:cTn>
+                                        <p:tgtEl>
+                                          <p:spTgt spid="3">
+                                            <p:txEl>
+                                              <p:pRg st="5" end="5"/>
+                                            </p:txEl>
+                                          </p:spTgt>
+                                        </p:tgtEl>
+                                        <p:attrNameLst>
+                                          <p:attrName>style.visibility</p:attrName>
+                                        </p:attrNameLst>
+                                      </p:cBhvr>
+                                      <p:to>
+                                        <p:strVal val="visible"/>
+                                      </p:to>
+                                    </p:set>
+                                  </p:childTnLst>
+                                </p:cTn>
+                              </p:par>
+                            </p:childTnLst>
+                          </p:cTn>
+                        </p:par>
+                      </p:childTnLst>
+                    </p:cTn>
+                  </p:par>
+                  <p:par>
+                    <p:cTn id="19" fill="hold">
+                      <p:stCondLst>
+                        <p:cond delay="indefinite"/>
+                      </p:stCondLst>
+                      <p:childTnLst>
+                        <p:par>
+                          <p:cTn id="20" fill="hold">
+                            <p:stCondLst>
+                              <p:cond delay="0"/>
+                            </p:stCondLst>
+                            <p:childTnLst>
+                              <p:par>
+                                <p:cTn id="21" presetID="1" presetClass="entr" presetSubtype="0" fill="hold" grpId="0" nodeType="clickEffect">
+                                  <p:stCondLst>
+                                    <p:cond delay="0"/>
+                                  </p:stCondLst>
+                                  <p:childTnLst>
+                                    <p:set>
+                                      <p:cBhvr>
+                                        <p:cTn id="22" dur="1" fill="hold">
+                                          <p:stCondLst>
+                                            <p:cond delay="0"/>
+                                          </p:stCondLst>
+                                        </p:cTn>
+                                        <p:tgtEl>
+                                          <p:spTgt spid="5"/>
+                                        </p:tgtEl>
+                                        <p:attrNameLst>
+                                          <p:attrName>style.visibility</p:attrName>
+                                        </p:attrNameLst>
+                                      </p:cBhvr>
+                                      <p:to>
+                                        <p:strVal val="visible"/>
+                                      </p:to>
+                                    </p:set>
+                                  </p:childTnLst>
+                                </p:cTn>
+                              </p:par>
+                              <p:par>
+                                <p:cTn id="23" presetID="1" presetClass="entr" presetSubtype="0" fill="hold" grpId="0" nodeType="withEffect">
+                                  <p:stCondLst>
+                                    <p:cond delay="0"/>
+                                  </p:stCondLst>
+                                  <p:childTnLst>
+                                    <p:set>
+                                      <p:cBhvr>
+                                        <p:cTn id="24" dur="1" fill="hold">
+                                          <p:stCondLst>
+                                            <p:cond delay="0"/>
+                                          </p:stCondLst>
+                                        </p:cTn>
+                                        <p:tgtEl>
+                                          <p:spTgt spid="6"/>
+                                        </p:tgtEl>
+                                        <p:attrNameLst>
+                                          <p:attrName>style.visibility</p:attrName>
+                                        </p:attrNameLst>
+                                      </p:cBhvr>
+                                      <p:to>
+                                        <p:strVal val="visible"/>
+                                      </p:to>
+                                    </p:set>
+                                  </p:childTnLst>
+                                </p:cTn>
+                              </p:par>
+                              <p:par>
+                                <p:cTn id="25" presetID="1" presetClass="entr" presetSubtype="0" fill="hold" grpId="0" nodeType="withEffect">
+                                  <p:stCondLst>
+                                    <p:cond delay="0"/>
+                                  </p:stCondLst>
+                                  <p:childTnLst>
+                                    <p:set>
+                                      <p:cBhvr>
+                                        <p:cTn id="26" dur="1" fill="hold">
+                                          <p:stCondLst>
+                                            <p:cond delay="0"/>
+                                          </p:stCondLst>
+                                        </p:cTn>
+                                        <p:tgtEl>
+                                          <p:spTgt spid="7"/>
+                                        </p:tgtEl>
+                                        <p:attrNameLst>
+                                          <p:attrName>style.visibility</p:attrName>
+                                        </p:attrNameLst>
+                                      </p:cBhvr>
+                                      <p:to>
+                                        <p:strVal val="visible"/>
+                                      </p:to>
+                                    </p:set>
+                                  </p:childTnLst>
+                                </p:cTn>
+                              </p:par>
+                              <p:par>
+                                <p:cTn id="27" presetID="1" presetClass="entr" presetSubtype="0" fill="hold" grpId="0" nodeType="withEffect">
+                                  <p:stCondLst>
+                                    <p:cond delay="0"/>
+                                  </p:stCondLst>
+                                  <p:childTnLst>
+                                    <p:set>
+                                      <p:cBhvr>
+                                        <p:cTn id="28" dur="1" fill="hold">
+                                          <p:stCondLst>
+                                            <p:cond delay="0"/>
+                                          </p:stCondLst>
+                                        </p:cTn>
+                                        <p:tgtEl>
+                                          <p:spTgt spid="8"/>
+                                        </p:tgtEl>
+                                        <p:attrNameLst>
+                                          <p:attrName>style.visibility</p:attrName>
+                                        </p:attrNameLst>
+                                      </p:cBhvr>
+                                      <p:to>
+                                        <p:strVal val="visible"/>
+                                      </p:to>
+                                    </p:set>
+                                  </p:childTnLst>
+                                </p:cTn>
+                              </p:par>
+                              <p:par>
+                                <p:cTn id="29" presetID="1" presetClass="entr" presetSubtype="0" fill="hold" grpId="0" nodeType="withEffect">
+                                  <p:stCondLst>
+                                    <p:cond delay="0"/>
+                                  </p:stCondLst>
+                                  <p:childTnLst>
+                                    <p:set>
+                                      <p:cBhvr>
+                                        <p:cTn id="30" dur="1" fill="hold">
+                                          <p:stCondLst>
+                                            <p:cond delay="0"/>
+                                          </p:stCondLst>
+                                        </p:cTn>
+                                        <p:tgtEl>
+                                          <p:spTgt spid="9"/>
+                                        </p:tgtEl>
+                                        <p:attrNameLst>
+                                          <p:attrName>style.visibility</p:attrName>
+                                        </p:attrNameLst>
+                                      </p:cBhvr>
+                                      <p:to>
+                                        <p:strVal val="visible"/>
+                                      </p:to>
+                                    </p:set>
+                                  </p:childTnLst>
+                                </p:cTn>
+                              </p:par>
+                              <p:par>
+                                <p:cTn id="31" presetID="1" presetClass="entr" presetSubtype="0" fill="hold" nodeType="withEffect">
+                                  <p:stCondLst>
+                                    <p:cond delay="0"/>
+                                  </p:stCondLst>
+                                  <p:childTnLst>
+                                    <p:set>
+                                      <p:cBhvr>
+                                        <p:cTn id="32" dur="1" fill="hold">
+                                          <p:stCondLst>
+                                            <p:cond delay="0"/>
+                                          </p:stCondLst>
+                                        </p:cTn>
+                                        <p:tgtEl>
+                                          <p:spTgt spid="11"/>
+                                        </p:tgtEl>
+                                        <p:attrNameLst>
+                                          <p:attrName>style.visibility</p:attrName>
+                                        </p:attrNameLst>
+                                      </p:cBhvr>
+                                      <p:to>
+                                        <p:strVal val="visible"/>
+                                      </p:to>
+                                    </p:set>
+                                  </p:childTnLst>
+                                </p:cTn>
+                              </p:par>
+                              <p:par>
+                                <p:cTn id="33" presetID="1" presetClass="entr" presetSubtype="0" fill="hold" nodeType="withEffect">
+                                  <p:stCondLst>
+                                    <p:cond delay="0"/>
+                                  </p:stCondLst>
+                                  <p:childTnLst>
+                                    <p:set>
+                                      <p:cBhvr>
+                                        <p:cTn id="34" dur="1" fill="hold">
+                                          <p:stCondLst>
+                                            <p:cond delay="0"/>
+                                          </p:stCondLst>
+                                        </p:cTn>
+                                        <p:tgtEl>
+                                          <p:spTgt spid="13"/>
+                                        </p:tgtEl>
+                                        <p:attrNameLst>
+                                          <p:attrName>style.visibility</p:attrName>
+                                        </p:attrNameLst>
+                                      </p:cBhvr>
+                                      <p:to>
+                                        <p:strVal val="visible"/>
+                                      </p:to>
+                                    </p:set>
+                                  </p:childTnLst>
+                                </p:cTn>
+                              </p:par>
+                              <p:par>
+                                <p:cTn id="35" presetID="1" presetClass="entr" presetSubtype="0" fill="hold" nodeType="withEffect">
+                                  <p:stCondLst>
+                                    <p:cond delay="0"/>
+                                  </p:stCondLst>
+                                  <p:childTnLst>
+                                    <p:set>
+                                      <p:cBhvr>
+                                        <p:cTn id="36" dur="1" fill="hold">
+                                          <p:stCondLst>
+                                            <p:cond delay="0"/>
+                                          </p:stCondLst>
+                                        </p:cTn>
+                                        <p:tgtEl>
+                                          <p:spTgt spid="15"/>
+                                        </p:tgtEl>
+                                        <p:attrNameLst>
+                                          <p:attrName>style.visibility</p:attrName>
+                                        </p:attrNameLst>
+                                      </p:cBhvr>
+                                      <p:to>
+                                        <p:strVal val="visible"/>
+                                      </p:to>
+                                    </p:set>
+                                  </p:childTnLst>
+                                </p:cTn>
+                              </p:par>
+                              <p:par>
+                                <p:cTn id="37" presetID="1" presetClass="entr" presetSubtype="0" fill="hold" nodeType="withEffect">
+                                  <p:stCondLst>
+                                    <p:cond delay="0"/>
+                                  </p:stCondLst>
+                                  <p:childTnLst>
+                                    <p:set>
+                                      <p:cBhvr>
+                                        <p:cTn id="38" dur="1" fill="hold">
+                                          <p:stCondLst>
+                                            <p:cond delay="0"/>
+                                          </p:stCondLst>
+                                        </p:cTn>
+                                        <p:tgtEl>
+                                          <p:spTgt spid="17"/>
+                                        </p:tgtEl>
+                                        <p:attrNameLst>
+                                          <p:attrName>style.visibility</p:attrName>
+                                        </p:attrNameLst>
+                                      </p:cBhvr>
+                                      <p:to>
+                                        <p:strVal val="visible"/>
+                                      </p:to>
+                                    </p:set>
+                                  </p:childTnLst>
+                                </p:cTn>
+                              </p:par>
+                            </p:childTnLst>
+                          </p:cTn>
+                        </p:par>
+                      </p:childTnLst>
+                    </p:cTn>
+                  </p:par>
+                </p:childTnLst>
+              </p:cTn>
+              <p:prevCondLst>
+                <p:cond evt="onPrev" delay="0">
+                  <p:tgtEl>
+                    <p:sldTgt/>
+                  </p:tgtEl>
+                </p:cond>
+              </p:prevCondLst>
+              <p:nextCondLst>
+                <p:cond evt="onNext" delay="0">
+                  <p:tgtEl>
+                    <p:sldTgt/>
+                  </p:tgtEl>
+                </p:cond>
+              </p:nextCondLst>
+            </p:seq>
+          </p:childTnLst>
+        </p:cTn>
+      </p:par>
+    </p:tnLst>
+    <p:bldLst>
+      <p:bldP spid="3" grpId="0" build="p"/>
+      <p:bldP spid="5" grpId="0" animBg="1"/>
+      <p:bldP spid="6" grpId="0" animBg="1"/>
+      <p:bldP spid="7" grpId="0" animBg="1"/>
+      <p:bldP spid="8" grpId="0" animBg="1"/>
+      <p:bldP spid="9" grpId="0" animBg="1"/>
+    </p:bldLst>
+  </p:timing>
 </p:sld>
 </file>
 
@@ -7796,6 +11393,12 @@
 </file>
 
 <file path=customXml/item2.xml><?xml version="1.0" encoding="utf-8"?>
+<p:properties xmlns:p="http://schemas.microsoft.com/office/2006/metadata/properties" xmlns:xsi="http://www.w3.org/2001/XMLSchema-instance" xmlns:pc="http://schemas.microsoft.com/office/infopath/2007/PartnerControls">
+  <documentManagement/>
+</p:properties>
+</file>
+
+<file path=customXml/item3.xml><?xml version="1.0" encoding="utf-8"?>
 <ct:contentTypeSchema xmlns:ct="http://schemas.microsoft.com/office/2006/metadata/contentType" xmlns:ma="http://schemas.microsoft.com/office/2006/metadata/properties/metaAttributes" ct:_="" ma:_="" ma:contentTypeName="Document" ma:contentTypeID="0x0101001B82B3A859C5B4419E9F4DEF0565ED83" ma:contentTypeVersion="11" ma:contentTypeDescription="Create a new document." ma:contentTypeScope="" ma:versionID="b852873dc24659d8f4eea8d7a9203904">
   <xsd:schema xmlns:xsd="http://www.w3.org/2001/XMLSchema" xmlns:xs="http://www.w3.org/2001/XMLSchema" xmlns:p="http://schemas.microsoft.com/office/2006/metadata/properties" xmlns:ns3="afa79ede-8800-4b38-b2d4-921a0a289804" xmlns:ns4="97551102-5158-477f-890e-1cd2281c8b2d" targetNamespace="http://schemas.microsoft.com/office/2006/metadata/properties" ma:root="true" ma:fieldsID="1682ea4e54a96cb399fabe1478bb2c7c" ns3:_="" ns4:_="">
     <xsd:import namespace="afa79ede-8800-4b38-b2d4-921a0a289804"/>
@@ -8006,12 +11609,6 @@
 </ct:contentTypeSchema>
 </file>
 
-<file path=customXml/item3.xml><?xml version="1.0" encoding="utf-8"?>
-<p:properties xmlns:p="http://schemas.microsoft.com/office/2006/metadata/properties" xmlns:xsi="http://www.w3.org/2001/XMLSchema-instance" xmlns:pc="http://schemas.microsoft.com/office/infopath/2007/PartnerControls">
-  <documentManagement/>
-</p:properties>
-</file>
-
 <file path=customXml/itemProps1.xml><?xml version="1.0" encoding="utf-8"?>
 <ds:datastoreItem xmlns:ds="http://schemas.openxmlformats.org/officeDocument/2006/customXml" ds:itemID="{2E95C035-B372-4A3C-8FF7-492D6CBCE172}">
   <ds:schemaRefs>
@@ -8021,6 +11618,23 @@
 </file>
 
 <file path=customXml/itemProps2.xml><?xml version="1.0" encoding="utf-8"?>
+<ds:datastoreItem xmlns:ds="http://schemas.openxmlformats.org/officeDocument/2006/customXml" ds:itemID="{244C56CE-E0D4-4126-A943-12B15C1AD01E}">
+  <ds:schemaRefs>
+    <ds:schemaRef ds:uri="http://www.w3.org/XML/1998/namespace"/>
+    <ds:schemaRef ds:uri="http://purl.org/dc/terms/"/>
+    <ds:schemaRef ds:uri="http://schemas.openxmlformats.org/package/2006/metadata/core-properties"/>
+    <ds:schemaRef ds:uri="http://purl.org/dc/dcmitype/"/>
+    <ds:schemaRef ds:uri="97551102-5158-477f-890e-1cd2281c8b2d"/>
+    <ds:schemaRef ds:uri="http://schemas.microsoft.com/office/2006/documentManagement/types"/>
+    <ds:schemaRef ds:uri="http://schemas.microsoft.com/office/2006/metadata/properties"/>
+    <ds:schemaRef ds:uri="http://purl.org/dc/elements/1.1/"/>
+    <ds:schemaRef ds:uri="http://schemas.microsoft.com/office/infopath/2007/PartnerControls"/>
+    <ds:schemaRef ds:uri="afa79ede-8800-4b38-b2d4-921a0a289804"/>
+  </ds:schemaRefs>
+</ds:datastoreItem>
+</file>
+
+<file path=customXml/itemProps3.xml><?xml version="1.0" encoding="utf-8"?>
 <ds:datastoreItem xmlns:ds="http://schemas.openxmlformats.org/officeDocument/2006/customXml" ds:itemID="{2400AAC4-7384-4A95-AEE6-85E2A5BA6526}">
   <ds:schemaRefs>
     <ds:schemaRef ds:uri="http://schemas.microsoft.com/office/2006/metadata/contentType"/>
@@ -8037,21 +11651,4 @@
     <ds:schemaRef ds:uri="http://schemas.microsoft.com/internal/obd"/>
   </ds:schemaRefs>
 </ds:datastoreItem>
-</file>
-
-<file path=customXml/itemProps3.xml><?xml version="1.0" encoding="utf-8"?>
-<ds:datastoreItem xmlns:ds="http://schemas.openxmlformats.org/officeDocument/2006/customXml" ds:itemID="{244C56CE-E0D4-4126-A943-12B15C1AD01E}">
-  <ds:schemaRefs>
-    <ds:schemaRef ds:uri="97551102-5158-477f-890e-1cd2281c8b2d"/>
-    <ds:schemaRef ds:uri="afa79ede-8800-4b38-b2d4-921a0a289804"/>
-    <ds:schemaRef ds:uri="http://schemas.microsoft.com/office/2006/metadata/properties"/>
-    <ds:schemaRef ds:uri="http://purl.org/dc/dcmitype/"/>
-    <ds:schemaRef ds:uri="http://schemas.microsoft.com/office/2006/documentManagement/types"/>
-    <ds:schemaRef ds:uri="http://purl.org/dc/terms/"/>
-    <ds:schemaRef ds:uri="http://www.w3.org/XML/1998/namespace"/>
-    <ds:schemaRef ds:uri="http://schemas.openxmlformats.org/package/2006/metadata/core-properties"/>
-    <ds:schemaRef ds:uri="http://schemas.microsoft.com/office/infopath/2007/PartnerControls"/>
-    <ds:schemaRef ds:uri="http://purl.org/dc/elements/1.1/"/>
-  </ds:schemaRefs>
-</ds:datastoreItem>
 </file>